--- a/assets/ppt/lex/lex6-nfa-to-dfa.pptx
+++ b/assets/ppt/lex/lex6-nfa-to-dfa.pptx
@@ -5,10 +5,10 @@
     <p:sldMasterId id="2147483648" r:id="rId1"/>
   </p:sldMasterIdLst>
   <p:notesMasterIdLst>
-    <p:notesMasterId r:id="rId23"/>
+    <p:notesMasterId r:id="rId22"/>
   </p:notesMasterIdLst>
   <p:handoutMasterIdLst>
-    <p:handoutMasterId r:id="rId24"/>
+    <p:handoutMasterId r:id="rId23"/>
   </p:handoutMasterIdLst>
   <p:sldIdLst>
     <p:sldId id="453" r:id="rId2"/>
@@ -29,9 +29,8 @@
     <p:sldId id="309" r:id="rId17"/>
     <p:sldId id="310" r:id="rId18"/>
     <p:sldId id="311" r:id="rId19"/>
-    <p:sldId id="452" r:id="rId20"/>
-    <p:sldId id="441" r:id="rId21"/>
-    <p:sldId id="447" r:id="rId22"/>
+    <p:sldId id="441" r:id="rId20"/>
+    <p:sldId id="447" r:id="rId21"/>
   </p:sldIdLst>
   <p:sldSz cx="9144000" cy="6858000" type="screen4x3"/>
   <p:notesSz cx="6858000" cy="9144000"/>
@@ -160,6 +159,22 @@
       </a:defRPr>
     </a:lvl9pPr>
   </p:defaultTextStyle>
+  <p:extLst>
+    <p:ext uri="{EFAFB233-063F-42B5-8137-9DF3F51BA10A}">
+      <p15:sldGuideLst xmlns:p15="http://schemas.microsoft.com/office/powerpoint/2012/main">
+        <p15:guide id="1" orient="horz" pos="2160">
+          <p15:clr>
+            <a:srgbClr val="A4A3A4"/>
+          </p15:clr>
+        </p15:guide>
+        <p15:guide id="2" pos="2880">
+          <p15:clr>
+            <a:srgbClr val="A4A3A4"/>
+          </p15:clr>
+        </p15:guide>
+      </p15:sldGuideLst>
+    </p:ext>
+  </p:extLst>
 </p:presentation>
 </file>
 
@@ -1706,7 +1721,7 @@
             <a:fld id="{D47AB3DA-2E09-7A4A-ACB5-F638F3CB629A}" type="slidenum">
               <a:rPr lang="en-US"/>
               <a:pPr/>
-              <a:t>20</a:t>
+              <a:t>19</a:t>
             </a:fld>
             <a:endParaRPr lang="en-US"/>
           </a:p>
@@ -1874,7 +1889,7 @@
             <a:fld id="{79BBA764-47ED-684A-ADF1-63F92DB3C3D0}" type="slidenum">
               <a:rPr lang="en-US"/>
               <a:pPr/>
-              <a:t>21</a:t>
+              <a:t>20</a:t>
             </a:fld>
             <a:endParaRPr lang="en-US"/>
           </a:p>
@@ -2627,10 +2642,9 @@
           <a:lstStyle/>
           <a:p>
             <a:r>
-              <a:rPr lang="en-US" smtClean="0"/>
+              <a:rPr lang="en-US"/>
               <a:t>Click to edit Master title style</a:t>
             </a:r>
-            <a:endParaRPr lang="en-US"/>
           </a:p>
         </p:txBody>
       </p:sp>
@@ -2692,10 +2706,9 @@
           </a:lstStyle>
           <a:p>
             <a:r>
-              <a:rPr lang="en-US" smtClean="0"/>
+              <a:rPr lang="en-US"/>
               <a:t>Click to edit Master subtitle style</a:t>
             </a:r>
-            <a:endParaRPr lang="en-US"/>
           </a:p>
         </p:txBody>
       </p:sp>
@@ -2721,7 +2734,7 @@
             <a:fld id="{5355DB87-3383-184D-99B0-93890237E891}" type="datetime1">
               <a:rPr lang="en-US"/>
               <a:pPr/>
-              <a:t>16-06-14</a:t>
+              <a:t>5/29/19</a:t>
             </a:fld>
             <a:endParaRPr lang="en-US"/>
           </a:p>
@@ -2819,10 +2832,9 @@
           <a:lstStyle/>
           <a:p>
             <a:r>
-              <a:rPr lang="en-US" smtClean="0"/>
+              <a:rPr lang="en-US"/>
               <a:t>Click to edit Master title style</a:t>
             </a:r>
-            <a:endParaRPr lang="en-US"/>
           </a:p>
         </p:txBody>
       </p:sp>
@@ -2843,38 +2855,37 @@
           <a:p>
             <a:pPr lvl="0"/>
             <a:r>
-              <a:rPr lang="en-US" smtClean="0"/>
+              <a:rPr lang="en-US"/>
               <a:t>Click to edit Master text styles</a:t>
             </a:r>
           </a:p>
           <a:p>
             <a:pPr lvl="1"/>
             <a:r>
-              <a:rPr lang="en-US" smtClean="0"/>
+              <a:rPr lang="en-US"/>
               <a:t>Second level</a:t>
             </a:r>
           </a:p>
           <a:p>
             <a:pPr lvl="2"/>
             <a:r>
-              <a:rPr lang="en-US" smtClean="0"/>
+              <a:rPr lang="en-US"/>
               <a:t>Third level</a:t>
             </a:r>
           </a:p>
           <a:p>
             <a:pPr lvl="3"/>
             <a:r>
-              <a:rPr lang="en-US" smtClean="0"/>
+              <a:rPr lang="en-US"/>
               <a:t>Fourth level</a:t>
             </a:r>
           </a:p>
           <a:p>
             <a:pPr lvl="4"/>
             <a:r>
-              <a:rPr lang="en-US" smtClean="0"/>
+              <a:rPr lang="en-US"/>
               <a:t>Fifth level</a:t>
             </a:r>
-            <a:endParaRPr lang="en-US"/>
           </a:p>
         </p:txBody>
       </p:sp>
@@ -2900,7 +2911,7 @@
             <a:fld id="{7BFECBF0-E244-6241-A456-9FB5F565B79C}" type="datetime1">
               <a:rPr lang="en-US"/>
               <a:pPr/>
-              <a:t>16-06-14</a:t>
+              <a:t>5/29/19</a:t>
             </a:fld>
             <a:endParaRPr lang="en-US"/>
           </a:p>
@@ -3003,10 +3014,9 @@
           <a:lstStyle/>
           <a:p>
             <a:r>
-              <a:rPr lang="en-US" smtClean="0"/>
+              <a:rPr lang="en-US"/>
               <a:t>Click to edit Master title style</a:t>
             </a:r>
-            <a:endParaRPr lang="en-US"/>
           </a:p>
         </p:txBody>
       </p:sp>
@@ -3032,38 +3042,37 @@
           <a:p>
             <a:pPr lvl="0"/>
             <a:r>
-              <a:rPr lang="en-US" smtClean="0"/>
+              <a:rPr lang="en-US"/>
               <a:t>Click to edit Master text styles</a:t>
             </a:r>
           </a:p>
           <a:p>
             <a:pPr lvl="1"/>
             <a:r>
-              <a:rPr lang="en-US" smtClean="0"/>
+              <a:rPr lang="en-US"/>
               <a:t>Second level</a:t>
             </a:r>
           </a:p>
           <a:p>
             <a:pPr lvl="2"/>
             <a:r>
-              <a:rPr lang="en-US" smtClean="0"/>
+              <a:rPr lang="en-US"/>
               <a:t>Third level</a:t>
             </a:r>
           </a:p>
           <a:p>
             <a:pPr lvl="3"/>
             <a:r>
-              <a:rPr lang="en-US" smtClean="0"/>
+              <a:rPr lang="en-US"/>
               <a:t>Fourth level</a:t>
             </a:r>
           </a:p>
           <a:p>
             <a:pPr lvl="4"/>
             <a:r>
-              <a:rPr lang="en-US" smtClean="0"/>
+              <a:rPr lang="en-US"/>
               <a:t>Fifth level</a:t>
             </a:r>
-            <a:endParaRPr lang="en-US"/>
           </a:p>
         </p:txBody>
       </p:sp>
@@ -3089,7 +3098,7 @@
             <a:fld id="{5D24053D-19EC-DA4D-BFD1-8DEB43608E93}" type="datetime1">
               <a:rPr lang="en-US"/>
               <a:pPr/>
-              <a:t>16-06-14</a:t>
+              <a:t>5/29/19</a:t>
             </a:fld>
             <a:endParaRPr lang="en-US"/>
           </a:p>
@@ -3192,10 +3201,9 @@
           <a:lstStyle/>
           <a:p>
             <a:r>
-              <a:rPr lang="en-US" smtClean="0"/>
+              <a:rPr lang="en-US"/>
               <a:t>Click to edit Master title style</a:t>
             </a:r>
-            <a:endParaRPr lang="en-US"/>
           </a:p>
         </p:txBody>
       </p:sp>
@@ -3221,38 +3229,37 @@
           <a:p>
             <a:pPr lvl="0"/>
             <a:r>
-              <a:rPr lang="en-US" smtClean="0"/>
+              <a:rPr lang="en-US"/>
               <a:t>Click to edit Master text styles</a:t>
             </a:r>
           </a:p>
           <a:p>
             <a:pPr lvl="1"/>
             <a:r>
-              <a:rPr lang="en-US" smtClean="0"/>
+              <a:rPr lang="en-US"/>
               <a:t>Second level</a:t>
             </a:r>
           </a:p>
           <a:p>
             <a:pPr lvl="2"/>
             <a:r>
-              <a:rPr lang="en-US" smtClean="0"/>
+              <a:rPr lang="en-US"/>
               <a:t>Third level</a:t>
             </a:r>
           </a:p>
           <a:p>
             <a:pPr lvl="3"/>
             <a:r>
-              <a:rPr lang="en-US" smtClean="0"/>
+              <a:rPr lang="en-US"/>
               <a:t>Fourth level</a:t>
             </a:r>
           </a:p>
           <a:p>
             <a:pPr lvl="4"/>
             <a:r>
-              <a:rPr lang="en-US" smtClean="0"/>
+              <a:rPr lang="en-US"/>
               <a:t>Fifth level</a:t>
             </a:r>
-            <a:endParaRPr lang="en-US"/>
           </a:p>
         </p:txBody>
       </p:sp>
@@ -3278,38 +3285,37 @@
           <a:p>
             <a:pPr lvl="0"/>
             <a:r>
-              <a:rPr lang="en-US" smtClean="0"/>
+              <a:rPr lang="en-US"/>
               <a:t>Click to edit Master text styles</a:t>
             </a:r>
           </a:p>
           <a:p>
             <a:pPr lvl="1"/>
             <a:r>
-              <a:rPr lang="en-US" smtClean="0"/>
+              <a:rPr lang="en-US"/>
               <a:t>Second level</a:t>
             </a:r>
           </a:p>
           <a:p>
             <a:pPr lvl="2"/>
             <a:r>
-              <a:rPr lang="en-US" smtClean="0"/>
+              <a:rPr lang="en-US"/>
               <a:t>Third level</a:t>
             </a:r>
           </a:p>
           <a:p>
             <a:pPr lvl="3"/>
             <a:r>
-              <a:rPr lang="en-US" smtClean="0"/>
+              <a:rPr lang="en-US"/>
               <a:t>Fourth level</a:t>
             </a:r>
           </a:p>
           <a:p>
             <a:pPr lvl="4"/>
             <a:r>
-              <a:rPr lang="en-US" smtClean="0"/>
+              <a:rPr lang="en-US"/>
               <a:t>Fifth level</a:t>
             </a:r>
-            <a:endParaRPr lang="en-US"/>
           </a:p>
         </p:txBody>
       </p:sp>
@@ -3340,7 +3346,7 @@
             <a:fld id="{EA088449-4D03-0843-84D7-B4A0EF767E6C}" type="datetime1">
               <a:rPr lang="en-US"/>
               <a:pPr/>
-              <a:t>16-06-14</a:t>
+              <a:t>5/29/19</a:t>
             </a:fld>
             <a:endParaRPr lang="en-US"/>
           </a:p>
@@ -3448,10 +3454,9 @@
           <a:lstStyle/>
           <a:p>
             <a:r>
-              <a:rPr lang="en-US" smtClean="0"/>
+              <a:rPr lang="en-US"/>
               <a:t>Click to edit Master title style</a:t>
             </a:r>
-            <a:endParaRPr lang="en-US"/>
           </a:p>
         </p:txBody>
       </p:sp>
@@ -3472,38 +3477,37 @@
           <a:p>
             <a:pPr lvl="0"/>
             <a:r>
-              <a:rPr lang="en-US" smtClean="0"/>
+              <a:rPr lang="en-US"/>
               <a:t>Click to edit Master text styles</a:t>
             </a:r>
           </a:p>
           <a:p>
             <a:pPr lvl="1"/>
             <a:r>
-              <a:rPr lang="en-US" smtClean="0"/>
+              <a:rPr lang="en-US"/>
               <a:t>Second level</a:t>
             </a:r>
           </a:p>
           <a:p>
             <a:pPr lvl="2"/>
             <a:r>
-              <a:rPr lang="en-US" smtClean="0"/>
+              <a:rPr lang="en-US"/>
               <a:t>Third level</a:t>
             </a:r>
           </a:p>
           <a:p>
             <a:pPr lvl="3"/>
             <a:r>
-              <a:rPr lang="en-US" smtClean="0"/>
+              <a:rPr lang="en-US"/>
               <a:t>Fourth level</a:t>
             </a:r>
           </a:p>
           <a:p>
             <a:pPr lvl="4"/>
             <a:r>
-              <a:rPr lang="en-US" smtClean="0"/>
+              <a:rPr lang="en-US"/>
               <a:t>Fifth level</a:t>
             </a:r>
-            <a:endParaRPr lang="en-US"/>
           </a:p>
         </p:txBody>
       </p:sp>
@@ -3532,7 +3536,7 @@
             <a:fld id="{CECB5EB0-A99D-574A-8771-16980A91CB72}" type="datetime1">
               <a:rPr lang="en-US" smtClean="0"/>
               <a:pPr/>
-              <a:t>16-06-14</a:t>
+              <a:t>5/29/19</a:t>
             </a:fld>
             <a:endParaRPr lang="en-US" dirty="0"/>
           </a:p>
@@ -3642,10 +3646,9 @@
           </a:lstStyle>
           <a:p>
             <a:r>
-              <a:rPr lang="en-US" smtClean="0"/>
+              <a:rPr lang="en-US"/>
               <a:t>Click to edit Master title style</a:t>
             </a:r>
-            <a:endParaRPr lang="en-US"/>
           </a:p>
         </p:txBody>
       </p:sp>
@@ -3708,7 +3711,7 @@
           <a:p>
             <a:pPr lvl="0"/>
             <a:r>
-              <a:rPr lang="en-US" smtClean="0"/>
+              <a:rPr lang="en-US"/>
               <a:t>Click to edit Master text styles</a:t>
             </a:r>
           </a:p>
@@ -3736,7 +3739,7 @@
             <a:fld id="{5D42C9F8-F6B1-9842-87C9-C9DA1459C62F}" type="datetime1">
               <a:rPr lang="en-US"/>
               <a:pPr/>
-              <a:t>16-06-14</a:t>
+              <a:t>5/29/19</a:t>
             </a:fld>
             <a:endParaRPr lang="en-US"/>
           </a:p>
@@ -3834,10 +3837,9 @@
           <a:lstStyle/>
           <a:p>
             <a:r>
-              <a:rPr lang="en-US" smtClean="0"/>
+              <a:rPr lang="en-US"/>
               <a:t>Click to edit Master title style</a:t>
             </a:r>
-            <a:endParaRPr lang="en-US"/>
           </a:p>
         </p:txBody>
       </p:sp>
@@ -3891,38 +3893,37 @@
           <a:p>
             <a:pPr lvl="0"/>
             <a:r>
-              <a:rPr lang="en-US" smtClean="0"/>
+              <a:rPr lang="en-US"/>
               <a:t>Click to edit Master text styles</a:t>
             </a:r>
           </a:p>
           <a:p>
             <a:pPr lvl="1"/>
             <a:r>
-              <a:rPr lang="en-US" smtClean="0"/>
+              <a:rPr lang="en-US"/>
               <a:t>Second level</a:t>
             </a:r>
           </a:p>
           <a:p>
             <a:pPr lvl="2"/>
             <a:r>
-              <a:rPr lang="en-US" smtClean="0"/>
+              <a:rPr lang="en-US"/>
               <a:t>Third level</a:t>
             </a:r>
           </a:p>
           <a:p>
             <a:pPr lvl="3"/>
             <a:r>
-              <a:rPr lang="en-US" smtClean="0"/>
+              <a:rPr lang="en-US"/>
               <a:t>Fourth level</a:t>
             </a:r>
           </a:p>
           <a:p>
             <a:pPr lvl="4"/>
             <a:r>
-              <a:rPr lang="en-US" smtClean="0"/>
+              <a:rPr lang="en-US"/>
               <a:t>Fifth level</a:t>
             </a:r>
-            <a:endParaRPr lang="en-US"/>
           </a:p>
         </p:txBody>
       </p:sp>
@@ -3976,38 +3977,37 @@
           <a:p>
             <a:pPr lvl="0"/>
             <a:r>
-              <a:rPr lang="en-US" smtClean="0"/>
+              <a:rPr lang="en-US"/>
               <a:t>Click to edit Master text styles</a:t>
             </a:r>
           </a:p>
           <a:p>
             <a:pPr lvl="1"/>
             <a:r>
-              <a:rPr lang="en-US" smtClean="0"/>
+              <a:rPr lang="en-US"/>
               <a:t>Second level</a:t>
             </a:r>
           </a:p>
           <a:p>
             <a:pPr lvl="2"/>
             <a:r>
-              <a:rPr lang="en-US" smtClean="0"/>
+              <a:rPr lang="en-US"/>
               <a:t>Third level</a:t>
             </a:r>
           </a:p>
           <a:p>
             <a:pPr lvl="3"/>
             <a:r>
-              <a:rPr lang="en-US" smtClean="0"/>
+              <a:rPr lang="en-US"/>
               <a:t>Fourth level</a:t>
             </a:r>
           </a:p>
           <a:p>
             <a:pPr lvl="4"/>
             <a:r>
-              <a:rPr lang="en-US" smtClean="0"/>
+              <a:rPr lang="en-US"/>
               <a:t>Fifth level</a:t>
             </a:r>
-            <a:endParaRPr lang="en-US"/>
           </a:p>
         </p:txBody>
       </p:sp>
@@ -4033,7 +4033,7 @@
             <a:fld id="{EED31557-0663-4C4F-93C2-602683C5EFDD}" type="datetime1">
               <a:rPr lang="en-US"/>
               <a:pPr/>
-              <a:t>16-06-14</a:t>
+              <a:t>5/29/19</a:t>
             </a:fld>
             <a:endParaRPr lang="en-US"/>
           </a:p>
@@ -4140,10 +4140,9 @@
           </a:lstStyle>
           <a:p>
             <a:r>
-              <a:rPr lang="en-US" smtClean="0"/>
+              <a:rPr lang="en-US"/>
               <a:t>Click to edit Master title style</a:t>
             </a:r>
-            <a:endParaRPr lang="en-US"/>
           </a:p>
         </p:txBody>
       </p:sp>
@@ -4206,7 +4205,7 @@
           <a:p>
             <a:pPr lvl="0"/>
             <a:r>
-              <a:rPr lang="en-US" smtClean="0"/>
+              <a:rPr lang="en-US"/>
               <a:t>Click to edit Master text styles</a:t>
             </a:r>
           </a:p>
@@ -4262,38 +4261,37 @@
           <a:p>
             <a:pPr lvl="0"/>
             <a:r>
-              <a:rPr lang="en-US" smtClean="0"/>
+              <a:rPr lang="en-US"/>
               <a:t>Click to edit Master text styles</a:t>
             </a:r>
           </a:p>
           <a:p>
             <a:pPr lvl="1"/>
             <a:r>
-              <a:rPr lang="en-US" smtClean="0"/>
+              <a:rPr lang="en-US"/>
               <a:t>Second level</a:t>
             </a:r>
           </a:p>
           <a:p>
             <a:pPr lvl="2"/>
             <a:r>
-              <a:rPr lang="en-US" smtClean="0"/>
+              <a:rPr lang="en-US"/>
               <a:t>Third level</a:t>
             </a:r>
           </a:p>
           <a:p>
             <a:pPr lvl="3"/>
             <a:r>
-              <a:rPr lang="en-US" smtClean="0"/>
+              <a:rPr lang="en-US"/>
               <a:t>Fourth level</a:t>
             </a:r>
           </a:p>
           <a:p>
             <a:pPr lvl="4"/>
             <a:r>
-              <a:rPr lang="en-US" smtClean="0"/>
+              <a:rPr lang="en-US"/>
               <a:t>Fifth level</a:t>
             </a:r>
-            <a:endParaRPr lang="en-US"/>
           </a:p>
         </p:txBody>
       </p:sp>
@@ -4356,7 +4354,7 @@
           <a:p>
             <a:pPr lvl="0"/>
             <a:r>
-              <a:rPr lang="en-US" smtClean="0"/>
+              <a:rPr lang="en-US"/>
               <a:t>Click to edit Master text styles</a:t>
             </a:r>
           </a:p>
@@ -4412,38 +4410,37 @@
           <a:p>
             <a:pPr lvl="0"/>
             <a:r>
-              <a:rPr lang="en-US" smtClean="0"/>
+              <a:rPr lang="en-US"/>
               <a:t>Click to edit Master text styles</a:t>
             </a:r>
           </a:p>
           <a:p>
             <a:pPr lvl="1"/>
             <a:r>
-              <a:rPr lang="en-US" smtClean="0"/>
+              <a:rPr lang="en-US"/>
               <a:t>Second level</a:t>
             </a:r>
           </a:p>
           <a:p>
             <a:pPr lvl="2"/>
             <a:r>
-              <a:rPr lang="en-US" smtClean="0"/>
+              <a:rPr lang="en-US"/>
               <a:t>Third level</a:t>
             </a:r>
           </a:p>
           <a:p>
             <a:pPr lvl="3"/>
             <a:r>
-              <a:rPr lang="en-US" smtClean="0"/>
+              <a:rPr lang="en-US"/>
               <a:t>Fourth level</a:t>
             </a:r>
           </a:p>
           <a:p>
             <a:pPr lvl="4"/>
             <a:r>
-              <a:rPr lang="en-US" smtClean="0"/>
+              <a:rPr lang="en-US"/>
               <a:t>Fifth level</a:t>
             </a:r>
-            <a:endParaRPr lang="en-US"/>
           </a:p>
         </p:txBody>
       </p:sp>
@@ -4469,7 +4466,7 @@
             <a:fld id="{685B0628-14D4-6A45-8A9F-D74C0423DABA}" type="datetime1">
               <a:rPr lang="en-US"/>
               <a:pPr/>
-              <a:t>16-06-14</a:t>
+              <a:t>5/29/19</a:t>
             </a:fld>
             <a:endParaRPr lang="en-US"/>
           </a:p>
@@ -4567,10 +4564,9 @@
           <a:lstStyle/>
           <a:p>
             <a:r>
-              <a:rPr lang="en-US" smtClean="0"/>
+              <a:rPr lang="en-US"/>
               <a:t>Click to edit Master title style</a:t>
             </a:r>
-            <a:endParaRPr lang="en-US"/>
           </a:p>
         </p:txBody>
       </p:sp>
@@ -4596,7 +4592,7 @@
             <a:fld id="{861F69CC-5876-214A-94D1-E2F7EDDDCEE1}" type="datetime1">
               <a:rPr lang="en-US"/>
               <a:pPr/>
-              <a:t>16-06-14</a:t>
+              <a:t>5/29/19</a:t>
             </a:fld>
             <a:endParaRPr lang="en-US"/>
           </a:p>
@@ -4700,7 +4696,7 @@
             <a:fld id="{3955B703-03FB-174E-BFAC-55FF64EB9EB7}" type="datetime1">
               <a:rPr lang="en-US"/>
               <a:pPr/>
-              <a:t>16-06-14</a:t>
+              <a:t>5/29/19</a:t>
             </a:fld>
             <a:endParaRPr lang="en-US"/>
           </a:p>
@@ -4807,10 +4803,9 @@
           </a:lstStyle>
           <a:p>
             <a:r>
-              <a:rPr lang="en-US" smtClean="0"/>
+              <a:rPr lang="en-US"/>
               <a:t>Click to edit Master title style</a:t>
             </a:r>
-            <a:endParaRPr lang="en-US"/>
           </a:p>
         </p:txBody>
       </p:sp>
@@ -4864,38 +4859,37 @@
           <a:p>
             <a:pPr lvl="0"/>
             <a:r>
-              <a:rPr lang="en-US" smtClean="0"/>
+              <a:rPr lang="en-US"/>
               <a:t>Click to edit Master text styles</a:t>
             </a:r>
           </a:p>
           <a:p>
             <a:pPr lvl="1"/>
             <a:r>
-              <a:rPr lang="en-US" smtClean="0"/>
+              <a:rPr lang="en-US"/>
               <a:t>Second level</a:t>
             </a:r>
           </a:p>
           <a:p>
             <a:pPr lvl="2"/>
             <a:r>
-              <a:rPr lang="en-US" smtClean="0"/>
+              <a:rPr lang="en-US"/>
               <a:t>Third level</a:t>
             </a:r>
           </a:p>
           <a:p>
             <a:pPr lvl="3"/>
             <a:r>
-              <a:rPr lang="en-US" smtClean="0"/>
+              <a:rPr lang="en-US"/>
               <a:t>Fourth level</a:t>
             </a:r>
           </a:p>
           <a:p>
             <a:pPr lvl="4"/>
             <a:r>
-              <a:rPr lang="en-US" smtClean="0"/>
+              <a:rPr lang="en-US"/>
               <a:t>Fifth level</a:t>
             </a:r>
-            <a:endParaRPr lang="en-US"/>
           </a:p>
         </p:txBody>
       </p:sp>
@@ -4958,7 +4952,7 @@
           <a:p>
             <a:pPr lvl="0"/>
             <a:r>
-              <a:rPr lang="en-US" smtClean="0"/>
+              <a:rPr lang="en-US"/>
               <a:t>Click to edit Master text styles</a:t>
             </a:r>
           </a:p>
@@ -4986,7 +4980,7 @@
             <a:fld id="{400BF00B-2AB1-1D40-A857-7809791C997C}" type="datetime1">
               <a:rPr lang="en-US"/>
               <a:pPr/>
-              <a:t>16-06-14</a:t>
+              <a:t>5/29/19</a:t>
             </a:fld>
             <a:endParaRPr lang="en-US"/>
           </a:p>
@@ -5093,10 +5087,9 @@
           </a:lstStyle>
           <a:p>
             <a:r>
-              <a:rPr lang="en-US" smtClean="0"/>
+              <a:rPr lang="en-US"/>
               <a:t>Click to edit Master title style</a:t>
             </a:r>
-            <a:endParaRPr lang="en-US"/>
           </a:p>
         </p:txBody>
       </p:sp>
@@ -5220,7 +5213,7 @@
           <a:p>
             <a:pPr lvl="0"/>
             <a:r>
-              <a:rPr lang="en-US" smtClean="0"/>
+              <a:rPr lang="en-US"/>
               <a:t>Click to edit Master text styles</a:t>
             </a:r>
           </a:p>
@@ -5248,7 +5241,7 @@
             <a:fld id="{181ECB80-1AB7-204B-845E-469E4B4627BD}" type="datetime1">
               <a:rPr lang="en-US"/>
               <a:pPr/>
-              <a:t>16-06-14</a:t>
+              <a:t>5/29/19</a:t>
             </a:fld>
             <a:endParaRPr lang="en-US"/>
           </a:p>
@@ -5494,7 +5487,7 @@
             <a:fld id="{22FBD3C0-B47D-AC4B-A39A-71B5F1354B01}" type="datetime1">
               <a:rPr lang="en-US"/>
               <a:pPr/>
-              <a:t>16-06-14</a:t>
+              <a:t>5/29/19</a:t>
             </a:fld>
             <a:endParaRPr lang="en-US"/>
           </a:p>
@@ -6214,7 +6207,7 @@
               <a:buNone/>
             </a:pPr>
             <a:r>
-              <a:rPr lang="en-US" sz="2400" dirty="0" smtClean="0">
+              <a:rPr lang="en-US" sz="2400" dirty="0">
                 <a:solidFill>
                   <a:schemeClr val="dk1"/>
                 </a:solidFill>
@@ -6225,15 +6218,6 @@
               </a:rPr>
               <a:t>LEX6: NFA to DFA</a:t>
             </a:r>
-            <a:endParaRPr lang="en-US" sz="2400" dirty="0">
-              <a:solidFill>
-                <a:schemeClr val="dk1"/>
-              </a:solidFill>
-              <a:latin typeface="Calibri"/>
-              <a:ea typeface="Calibri"/>
-              <a:cs typeface="Calibri"/>
-              <a:sym typeface="Calibri"/>
-            </a:endParaRPr>
           </a:p>
         </p:txBody>
       </p:sp>
@@ -6285,7 +6269,7 @@
             <a:fld id="{0EA5A4E6-BBF0-2D46-A47C-3BE07DE833BB}" type="datetime1">
               <a:rPr lang="en-US"/>
               <a:pPr/>
-              <a:t>16-06-14</a:t>
+              <a:t>5/29/19</a:t>
             </a:fld>
             <a:endParaRPr lang="en-US"/>
           </a:p>
@@ -6331,10 +6315,9 @@
           <a:lstStyle/>
           <a:p>
             <a:r>
-              <a:rPr lang="en-US" dirty="0" smtClean="0"/>
+              <a:rPr lang="en-US" dirty="0"/>
               <a:t>NFA to DFA</a:t>
             </a:r>
-            <a:endParaRPr lang="en-US" dirty="0"/>
           </a:p>
         </p:txBody>
       </p:sp>
@@ -8328,13 +8311,6 @@
   <p:clrMapOvr>
     <a:masterClrMapping/>
   </p:clrMapOvr>
-  <p:timing>
-    <p:tnLst>
-      <p:par>
-        <p:cTn xmlns:p14="http://schemas.microsoft.com/office/powerpoint/2010/main" id="1" dur="indefinite" restart="never" nodeType="tmRoot"/>
-      </p:par>
-    </p:tnLst>
-  </p:timing>
 </p:sld>
 </file>
 
@@ -8373,7 +8349,7 @@
             <a:fld id="{F212C6E7-D422-564C-9222-59E30356D52B}" type="datetime1">
               <a:rPr lang="en-US"/>
               <a:pPr/>
-              <a:t>16-06-14</a:t>
+              <a:t>5/29/19</a:t>
             </a:fld>
             <a:endParaRPr lang="en-US"/>
           </a:p>
@@ -10513,7 +10489,7 @@
   <p:timing>
     <p:tnLst>
       <p:par>
-        <p:cTn xmlns:p14="http://schemas.microsoft.com/office/powerpoint/2010/main" id="1" dur="indefinite" restart="never" nodeType="tmRoot">
+        <p:cTn id="1" dur="indefinite" restart="never" nodeType="tmRoot">
           <p:childTnLst>
             <p:seq concurrent="1" nextAc="seek">
               <p:cTn id="2" dur="indefinite" nodeType="mainSeq">
@@ -10626,7 +10602,7 @@
             <a:fld id="{DA99D24E-9C5F-7546-A57C-BE945659E655}" type="datetime1">
               <a:rPr lang="en-US"/>
               <a:pPr/>
-              <a:t>16-06-14</a:t>
+              <a:t>5/29/19</a:t>
             </a:fld>
             <a:endParaRPr lang="en-US"/>
           </a:p>
@@ -10677,58 +10653,40 @@
           <a:lstStyle/>
           <a:p>
             <a:r>
-              <a:rPr lang="en-US" sz="3200" dirty="0" err="1" smtClean="0">
+              <a:rPr lang="en-US" sz="3200" dirty="0" err="1">
                 <a:sym typeface="Symbol" charset="2"/>
               </a:rPr>
               <a:t>DFAedge</a:t>
             </a:r>
             <a:r>
-              <a:rPr lang="en-US" sz="3200" dirty="0" smtClean="0">
+              <a:rPr lang="en-US" sz="3200" dirty="0">
                 <a:sym typeface="Symbol" charset="2"/>
               </a:rPr>
-              <a:t>(</a:t>
+              <a:t>(</a:t>
+            </a:r>
+            <a:r>
+              <a:rPr lang="en-US" sz="3200" i="1" dirty="0">
+                <a:sym typeface="Symbol" charset="2"/>
+              </a:rPr>
+              <a:t>-closure</a:t>
             </a:r>
             <a:r>
               <a:rPr lang="en-US" sz="3200" dirty="0">
                 <a:sym typeface="Symbol" charset="2"/>
               </a:rPr>
-              <a:t></a:t>
-            </a:r>
-            <a:r>
-              <a:rPr lang="en-US" sz="3200" i="1" dirty="0">
-                <a:sym typeface="Symbol" charset="2"/>
-              </a:rPr>
-              <a:t>-</a:t>
-            </a:r>
-            <a:r>
-              <a:rPr lang="en-US" sz="3200" i="1" dirty="0" smtClean="0">
-                <a:sym typeface="Symbol" charset="2"/>
-              </a:rPr>
-              <a:t>closure</a:t>
-            </a:r>
-            <a:r>
-              <a:rPr lang="en-US" sz="3200" dirty="0" smtClean="0">
-                <a:sym typeface="Symbol" charset="2"/>
-              </a:rPr>
               <a:t>(q</a:t>
             </a:r>
             <a:r>
-              <a:rPr lang="en-US" sz="3200" baseline="-25000" dirty="0" smtClean="0">
+              <a:rPr lang="en-US" sz="3200" baseline="-25000" dirty="0">
                 <a:sym typeface="Symbol" charset="2"/>
               </a:rPr>
               <a:t>0</a:t>
             </a:r>
             <a:r>
-              <a:rPr lang="en-US" sz="3200" dirty="0" smtClean="0">
-                <a:sym typeface="Symbol" charset="2"/>
-              </a:rPr>
-              <a:t>), </a:t>
-            </a:r>
-            <a:r>
               <a:rPr lang="en-US" sz="3200" dirty="0">
                 <a:sym typeface="Symbol" charset="2"/>
               </a:rPr>
-              <a:t>0)</a:t>
+              <a:t>), 0)</a:t>
             </a:r>
           </a:p>
         </p:txBody>
@@ -12792,13 +12750,6 @@
   <p:clrMapOvr>
     <a:masterClrMapping/>
   </p:clrMapOvr>
-  <p:timing>
-    <p:tnLst>
-      <p:par>
-        <p:cTn xmlns:p14="http://schemas.microsoft.com/office/powerpoint/2010/main" id="1" dur="indefinite" restart="never" nodeType="tmRoot"/>
-      </p:par>
-    </p:tnLst>
-  </p:timing>
 </p:sld>
 </file>
 
@@ -12837,7 +12788,7 @@
             <a:fld id="{DA99D24E-9C5F-7546-A57C-BE945659E655}" type="datetime1">
               <a:rPr lang="en-US"/>
               <a:pPr/>
-              <a:t>16-06-14</a:t>
+              <a:t>5/29/19</a:t>
             </a:fld>
             <a:endParaRPr lang="en-US"/>
           </a:p>
@@ -12888,58 +12839,40 @@
           <a:lstStyle/>
           <a:p>
             <a:r>
-              <a:rPr lang="en-US" sz="3200" dirty="0" err="1" smtClean="0">
+              <a:rPr lang="en-US" sz="3200" dirty="0" err="1">
                 <a:sym typeface="Symbol" charset="2"/>
               </a:rPr>
               <a:t>DFAedge</a:t>
             </a:r>
             <a:r>
-              <a:rPr lang="en-US" sz="3200" dirty="0" smtClean="0">
+              <a:rPr lang="en-US" sz="3200" dirty="0">
                 <a:sym typeface="Symbol" charset="2"/>
               </a:rPr>
-              <a:t>(</a:t>
+              <a:t>(</a:t>
+            </a:r>
+            <a:r>
+              <a:rPr lang="en-US" sz="3200" i="1" dirty="0">
+                <a:sym typeface="Symbol" charset="2"/>
+              </a:rPr>
+              <a:t>-closure</a:t>
             </a:r>
             <a:r>
               <a:rPr lang="en-US" sz="3200" dirty="0">
                 <a:sym typeface="Symbol" charset="2"/>
               </a:rPr>
-              <a:t></a:t>
-            </a:r>
-            <a:r>
-              <a:rPr lang="en-US" sz="3200" i="1" dirty="0">
-                <a:sym typeface="Symbol" charset="2"/>
-              </a:rPr>
-              <a:t>-</a:t>
-            </a:r>
-            <a:r>
-              <a:rPr lang="en-US" sz="3200" i="1" dirty="0" smtClean="0">
-                <a:sym typeface="Symbol" charset="2"/>
-              </a:rPr>
-              <a:t>closure</a:t>
-            </a:r>
-            <a:r>
-              <a:rPr lang="en-US" sz="3200" dirty="0" smtClean="0">
-                <a:sym typeface="Symbol" charset="2"/>
-              </a:rPr>
               <a:t>(q</a:t>
             </a:r>
             <a:r>
-              <a:rPr lang="en-US" sz="3200" baseline="-25000" dirty="0" smtClean="0">
+              <a:rPr lang="en-US" sz="3200" baseline="-25000" dirty="0">
                 <a:sym typeface="Symbol" charset="2"/>
               </a:rPr>
               <a:t>0</a:t>
             </a:r>
             <a:r>
-              <a:rPr lang="en-US" sz="3200" dirty="0" smtClean="0">
-                <a:sym typeface="Symbol" charset="2"/>
-              </a:rPr>
-              <a:t>), </a:t>
-            </a:r>
-            <a:r>
               <a:rPr lang="en-US" sz="3200" dirty="0">
                 <a:sym typeface="Symbol" charset="2"/>
               </a:rPr>
-              <a:t>0)</a:t>
+              <a:t>), 0)</a:t>
             </a:r>
           </a:p>
         </p:txBody>
@@ -15279,7 +15212,7 @@
           <a:p>
             <a:pPr algn="ctr" eaLnBrk="1" hangingPunct="1"/>
             <a:r>
-              <a:rPr lang="en-US" dirty="0" smtClean="0">
+              <a:rPr lang="en-US" dirty="0">
                 <a:latin typeface="Arial" charset="0"/>
               </a:rPr>
               <a:t>[3,4,5,6,</a:t>
@@ -15288,7 +15221,7 @@
           <a:p>
             <a:pPr algn="ctr" eaLnBrk="1" hangingPunct="1"/>
             <a:r>
-              <a:rPr lang="en-US" dirty="0" smtClean="0">
+              <a:rPr lang="en-US" dirty="0">
                 <a:latin typeface="Arial" charset="0"/>
               </a:rPr>
               <a:t>8,9,10,</a:t>
@@ -15297,14 +15230,11 @@
           <a:p>
             <a:pPr algn="ctr" eaLnBrk="1" hangingPunct="1"/>
             <a:r>
-              <a:rPr lang="en-US" dirty="0" smtClean="0">
+              <a:rPr lang="en-US" dirty="0">
                 <a:latin typeface="Arial" charset="0"/>
               </a:rPr>
               <a:t>13,14]</a:t>
             </a:r>
-            <a:endParaRPr lang="en-US" dirty="0">
-              <a:latin typeface="Arial" charset="0"/>
-            </a:endParaRPr>
           </a:p>
         </p:txBody>
       </p:sp>
@@ -15321,7 +15251,7 @@
   <p:timing>
     <p:tnLst>
       <p:par>
-        <p:cTn xmlns:p14="http://schemas.microsoft.com/office/powerpoint/2010/main" id="1" dur="indefinite" restart="never" nodeType="tmRoot">
+        <p:cTn id="1" dur="indefinite" restart="never" nodeType="tmRoot">
           <p:childTnLst>
             <p:seq concurrent="1" nextAc="seek">
               <p:cTn id="2" dur="indefinite" nodeType="mainSeq">
@@ -15489,7 +15419,7 @@
             <a:fld id="{DA99D24E-9C5F-7546-A57C-BE945659E655}" type="datetime1">
               <a:rPr lang="en-US"/>
               <a:pPr/>
-              <a:t>16-06-14</a:t>
+              <a:t>5/29/19</a:t>
             </a:fld>
             <a:endParaRPr lang="en-US"/>
           </a:p>
@@ -17854,7 +17784,7 @@
           <a:p>
             <a:pPr algn="ctr" eaLnBrk="1" hangingPunct="1"/>
             <a:r>
-              <a:rPr lang="en-US" dirty="0" smtClean="0">
+              <a:rPr lang="en-US" dirty="0">
                 <a:latin typeface="Arial" charset="0"/>
               </a:rPr>
               <a:t>[3,4,5,6,</a:t>
@@ -17863,7 +17793,7 @@
           <a:p>
             <a:pPr algn="ctr" eaLnBrk="1" hangingPunct="1"/>
             <a:r>
-              <a:rPr lang="en-US" dirty="0" smtClean="0">
+              <a:rPr lang="en-US" dirty="0">
                 <a:latin typeface="Arial" charset="0"/>
               </a:rPr>
               <a:t>8,9,10,</a:t>
@@ -17872,14 +17802,11 @@
           <a:p>
             <a:pPr algn="ctr" eaLnBrk="1" hangingPunct="1"/>
             <a:r>
-              <a:rPr lang="en-US" dirty="0" smtClean="0">
+              <a:rPr lang="en-US" dirty="0">
                 <a:latin typeface="Arial" charset="0"/>
               </a:rPr>
               <a:t>13,14]</a:t>
             </a:r>
-            <a:endParaRPr lang="en-US" dirty="0">
-              <a:latin typeface="Arial" charset="0"/>
-            </a:endParaRPr>
           </a:p>
         </p:txBody>
       </p:sp>
@@ -18132,7 +18059,7 @@
           <a:p>
             <a:pPr algn="ctr" eaLnBrk="1" hangingPunct="1"/>
             <a:r>
-              <a:rPr lang="en-US" dirty="0" smtClean="0">
+              <a:rPr lang="en-US" dirty="0">
                 <a:latin typeface="Arial" charset="0"/>
               </a:rPr>
               <a:t>[3,4,6,</a:t>
@@ -18141,14 +18068,11 @@
           <a:p>
             <a:pPr algn="ctr" eaLnBrk="1" hangingPunct="1"/>
             <a:r>
-              <a:rPr lang="en-US" dirty="0" smtClean="0">
+              <a:rPr lang="en-US" dirty="0">
                 <a:latin typeface="Arial" charset="0"/>
               </a:rPr>
               <a:t>7,8,9]</a:t>
             </a:r>
-            <a:endParaRPr lang="en-US" dirty="0">
-              <a:latin typeface="Arial" charset="0"/>
-            </a:endParaRPr>
           </a:p>
         </p:txBody>
       </p:sp>
@@ -18390,44 +18314,41 @@
           <a:p>
             <a:pPr eaLnBrk="1" hangingPunct="1"/>
             <a:r>
-              <a:rPr lang="en-US" sz="3200" kern="0" dirty="0" err="1" smtClean="0">
+              <a:rPr lang="en-US" sz="3200" kern="0" dirty="0" err="1">
                 <a:sym typeface="Symbol" charset="2"/>
               </a:rPr>
               <a:t>DFAedge</a:t>
             </a:r>
             <a:r>
-              <a:rPr lang="en-US" sz="3200" kern="0" dirty="0" smtClean="0">
+              <a:rPr lang="en-US" sz="3200" kern="0" dirty="0">
                 <a:sym typeface="Symbol" charset="2"/>
               </a:rPr>
               <a:t>(</a:t>
             </a:r>
             <a:r>
-              <a:rPr lang="en-US" sz="3200" i="1" kern="0" dirty="0" smtClean="0">
+              <a:rPr lang="en-US" sz="3200" i="1" kern="0" dirty="0">
                 <a:sym typeface="Symbol" charset="2"/>
               </a:rPr>
               <a:t>-closure</a:t>
             </a:r>
             <a:r>
-              <a:rPr lang="en-US" sz="3200" kern="0" dirty="0" smtClean="0">
+              <a:rPr lang="en-US" sz="3200" kern="0" dirty="0">
                 <a:sym typeface="Symbol" charset="2"/>
               </a:rPr>
               <a:t>(q</a:t>
             </a:r>
             <a:r>
-              <a:rPr lang="en-US" sz="3200" kern="0" baseline="-25000" dirty="0" smtClean="0">
+              <a:rPr lang="en-US" sz="3200" kern="0" baseline="-25000" dirty="0">
                 <a:sym typeface="Symbol" charset="2"/>
               </a:rPr>
               <a:t>0</a:t>
             </a:r>
             <a:r>
-              <a:rPr lang="en-US" sz="3200" kern="0" dirty="0" smtClean="0">
+              <a:rPr lang="en-US" sz="3200" kern="0" dirty="0">
                 <a:sym typeface="Symbol" charset="2"/>
               </a:rPr>
               <a:t>), 1)</a:t>
             </a:r>
-            <a:endParaRPr lang="en-US" sz="3200" kern="0" dirty="0">
-              <a:sym typeface="Symbol" charset="2"/>
-            </a:endParaRPr>
           </a:p>
         </p:txBody>
       </p:sp>
@@ -18444,7 +18365,7 @@
   <p:timing>
     <p:tnLst>
       <p:par>
-        <p:cTn xmlns:p14="http://schemas.microsoft.com/office/powerpoint/2010/main" id="1" dur="indefinite" restart="never" nodeType="tmRoot">
+        <p:cTn id="1" dur="indefinite" restart="never" nodeType="tmRoot">
           <p:childTnLst>
             <p:seq concurrent="1" nextAc="seek">
               <p:cTn id="2" dur="indefinite" nodeType="mainSeq">
@@ -18770,7 +18691,7 @@
             <a:fld id="{DA99D24E-9C5F-7546-A57C-BE945659E655}" type="datetime1">
               <a:rPr lang="en-US"/>
               <a:pPr/>
-              <a:t>16-06-14</a:t>
+              <a:t>5/29/19</a:t>
             </a:fld>
             <a:endParaRPr lang="en-US"/>
           </a:p>
@@ -18821,20 +18742,17 @@
           <a:lstStyle/>
           <a:p>
             <a:r>
-              <a:rPr lang="en-US" sz="2800" dirty="0" err="1" smtClean="0">
+              <a:rPr lang="en-US" sz="2800" dirty="0" err="1">
                 <a:sym typeface="Symbol" charset="2"/>
               </a:rPr>
               <a:t>DFAedge</a:t>
             </a:r>
             <a:r>
-              <a:rPr lang="en-US" sz="2800" dirty="0" smtClean="0">
+              <a:rPr lang="en-US" sz="2800" dirty="0">
                 <a:sym typeface="Symbol" charset="2"/>
               </a:rPr>
               <a:t>([3,4,5,6…,14], 0)</a:t>
             </a:r>
-            <a:endParaRPr lang="en-US" sz="2800" dirty="0">
-              <a:sym typeface="Symbol" charset="2"/>
-            </a:endParaRPr>
           </a:p>
         </p:txBody>
       </p:sp>
@@ -21173,7 +21091,7 @@
           <a:p>
             <a:pPr algn="ctr" eaLnBrk="1" hangingPunct="1"/>
             <a:r>
-              <a:rPr lang="en-US" dirty="0" smtClean="0">
+              <a:rPr lang="en-US" dirty="0">
                 <a:latin typeface="Arial" charset="0"/>
               </a:rPr>
               <a:t>[3,4,5,6,</a:t>
@@ -21182,7 +21100,7 @@
           <a:p>
             <a:pPr algn="ctr" eaLnBrk="1" hangingPunct="1"/>
             <a:r>
-              <a:rPr lang="en-US" dirty="0" smtClean="0">
+              <a:rPr lang="en-US" dirty="0">
                 <a:latin typeface="Arial" charset="0"/>
               </a:rPr>
               <a:t>8,9,10,</a:t>
@@ -21191,14 +21109,11 @@
           <a:p>
             <a:pPr algn="ctr" eaLnBrk="1" hangingPunct="1"/>
             <a:r>
-              <a:rPr lang="en-US" dirty="0" smtClean="0">
+              <a:rPr lang="en-US" dirty="0">
                 <a:latin typeface="Arial" charset="0"/>
               </a:rPr>
               <a:t>13,14]</a:t>
             </a:r>
-            <a:endParaRPr lang="en-US" dirty="0">
-              <a:latin typeface="Arial" charset="0"/>
-            </a:endParaRPr>
           </a:p>
         </p:txBody>
       </p:sp>
@@ -21451,7 +21366,7 @@
           <a:p>
             <a:pPr algn="ctr" eaLnBrk="1" hangingPunct="1"/>
             <a:r>
-              <a:rPr lang="en-US" dirty="0" smtClean="0">
+              <a:rPr lang="en-US" dirty="0">
                 <a:latin typeface="Arial" charset="0"/>
               </a:rPr>
               <a:t>[3,4,6,</a:t>
@@ -21460,14 +21375,11 @@
           <a:p>
             <a:pPr algn="ctr" eaLnBrk="1" hangingPunct="1"/>
             <a:r>
-              <a:rPr lang="en-US" dirty="0" smtClean="0">
+              <a:rPr lang="en-US" dirty="0">
                 <a:latin typeface="Arial" charset="0"/>
               </a:rPr>
               <a:t>7,8,9]</a:t>
             </a:r>
-            <a:endParaRPr lang="en-US" dirty="0">
-              <a:latin typeface="Arial" charset="0"/>
-            </a:endParaRPr>
           </a:p>
         </p:txBody>
       </p:sp>
@@ -21584,7 +21496,7 @@
           <a:p>
             <a:pPr algn="ctr" eaLnBrk="1" hangingPunct="1"/>
             <a:r>
-              <a:rPr lang="en-US" dirty="0" smtClean="0">
+              <a:rPr lang="en-US" dirty="0">
                 <a:latin typeface="Arial" charset="0"/>
               </a:rPr>
               <a:t>[3,4,5,6,</a:t>
@@ -21593,7 +21505,7 @@
           <a:p>
             <a:pPr algn="ctr" eaLnBrk="1" hangingPunct="1"/>
             <a:r>
-              <a:rPr lang="en-US" dirty="0" smtClean="0">
+              <a:rPr lang="en-US" dirty="0">
                 <a:latin typeface="Arial" charset="0"/>
               </a:rPr>
               <a:t>8,9,11,10</a:t>
@@ -21602,14 +21514,11 @@
           <a:p>
             <a:pPr algn="ctr" eaLnBrk="1" hangingPunct="1"/>
             <a:r>
-              <a:rPr lang="en-US" dirty="0" smtClean="0">
+              <a:rPr lang="en-US" dirty="0">
                 <a:latin typeface="Arial" charset="0"/>
               </a:rPr>
               <a:t>14]</a:t>
             </a:r>
-            <a:endParaRPr lang="en-US" dirty="0">
-              <a:latin typeface="Arial" charset="0"/>
-            </a:endParaRPr>
           </a:p>
         </p:txBody>
       </p:sp>
@@ -22036,7 +21945,7 @@
   <p:timing>
     <p:tnLst>
       <p:par>
-        <p:cTn xmlns:p14="http://schemas.microsoft.com/office/powerpoint/2010/main" id="1" dur="indefinite" restart="never" nodeType="tmRoot">
+        <p:cTn id="1" dur="indefinite" restart="never" nodeType="tmRoot">
           <p:childTnLst>
             <p:seq concurrent="1" nextAc="seek">
               <p:cTn id="2" dur="indefinite" nodeType="mainSeq">
@@ -22390,7 +22299,7 @@
             <a:fld id="{6A165FE3-9B4C-4845-B894-8DD230B64D62}" type="datetime1">
               <a:rPr lang="en-US"/>
               <a:pPr/>
-              <a:t>16-06-14</a:t>
+              <a:t>5/29/19</a:t>
             </a:fld>
             <a:endParaRPr lang="en-US"/>
           </a:p>
@@ -23691,7 +23600,7 @@
   <p:timing>
     <p:tnLst>
       <p:par>
-        <p:cTn xmlns:p14="http://schemas.microsoft.com/office/powerpoint/2010/main" id="1" dur="indefinite" restart="never" nodeType="tmRoot">
+        <p:cTn id="1" dur="indefinite" restart="never" nodeType="tmRoot">
           <p:childTnLst>
             <p:seq concurrent="1" nextAc="seek">
               <p:cTn id="2" dur="indefinite" nodeType="mainSeq">
@@ -23801,7 +23710,7 @@
             <a:fld id="{0005003D-E51F-8643-BCEC-E4FAF7D87282}" type="datetime1">
               <a:rPr lang="en-US"/>
               <a:pPr/>
-              <a:t>16-06-14</a:t>
+              <a:t>5/29/19</a:t>
             </a:fld>
             <a:endParaRPr lang="en-US"/>
           </a:p>
@@ -24883,7 +24792,7 @@
   <p:timing>
     <p:tnLst>
       <p:par>
-        <p:cTn xmlns:p14="http://schemas.microsoft.com/office/powerpoint/2010/main" id="1" dur="indefinite" restart="never" nodeType="tmRoot">
+        <p:cTn id="1" dur="indefinite" restart="never" nodeType="tmRoot">
           <p:childTnLst>
             <p:seq concurrent="1" nextAc="seek">
               <p:cTn id="2" dur="indefinite" nodeType="mainSeq">
@@ -24993,7 +24902,7 @@
             <a:fld id="{287F5458-B5F1-FA48-A7C6-5736627E3911}" type="datetime1">
               <a:rPr lang="en-US"/>
               <a:pPr/>
-              <a:t>16-06-14</a:t>
+              <a:t>5/29/19</a:t>
             </a:fld>
             <a:endParaRPr lang="en-US"/>
           </a:p>
@@ -26321,7 +26230,7 @@
   <p:timing>
     <p:tnLst>
       <p:par>
-        <p:cTn xmlns:p14="http://schemas.microsoft.com/office/powerpoint/2010/main" id="1" dur="indefinite" restart="never" nodeType="tmRoot">
+        <p:cTn id="1" dur="indefinite" restart="never" nodeType="tmRoot">
           <p:childTnLst>
             <p:seq concurrent="1" nextAc="seek">
               <p:cTn id="2" dur="indefinite" nodeType="mainSeq">
@@ -26415,44 +26324,6 @@
       </p:grpSpPr>
       <p:sp>
         <p:nvSpPr>
-          <p:cNvPr id="2" name="Title 1"/>
-          <p:cNvSpPr>
-            <a:spLocks noGrp="1"/>
-          </p:cNvSpPr>
-          <p:nvPr>
-            <p:ph type="title"/>
-          </p:nvPr>
-        </p:nvSpPr>
-        <p:spPr/>
-        <p:txBody>
-          <a:bodyPr/>
-          <a:lstStyle/>
-          <a:p>
-            <a:endParaRPr lang="en-CA"/>
-          </a:p>
-        </p:txBody>
-      </p:sp>
-      <p:sp>
-        <p:nvSpPr>
-          <p:cNvPr id="3" name="Content Placeholder 2"/>
-          <p:cNvSpPr>
-            <a:spLocks noGrp="1"/>
-          </p:cNvSpPr>
-          <p:nvPr>
-            <p:ph idx="1"/>
-          </p:nvPr>
-        </p:nvSpPr>
-        <p:spPr/>
-        <p:txBody>
-          <a:bodyPr/>
-          <a:lstStyle/>
-          <a:p>
-            <a:endParaRPr lang="en-CA"/>
-          </a:p>
-        </p:txBody>
-      </p:sp>
-      <p:sp>
-        <p:nvSpPr>
           <p:cNvPr id="4" name="Date Placeholder 3"/>
           <p:cNvSpPr>
             <a:spLocks noGrp="1"/>
@@ -26466,18 +26337,18 @@
           <a:bodyPr/>
           <a:lstStyle/>
           <a:p>
-            <a:fld id="{CECB5EB0-A99D-574A-8771-16980A91CB72}" type="datetime1">
-              <a:rPr lang="en-US" smtClean="0"/>
+            <a:fld id="{FB7FC1FB-8426-AC4F-B69C-5CE0416E9C3D}" type="datetime1">
+              <a:rPr lang="en-US"/>
               <a:pPr/>
-              <a:t>16-06-14</a:t>
+              <a:t>5/29/19</a:t>
             </a:fld>
-            <a:endParaRPr lang="en-US" dirty="0"/>
+            <a:endParaRPr lang="en-US"/>
           </a:p>
         </p:txBody>
       </p:sp>
       <p:sp>
         <p:nvSpPr>
-          <p:cNvPr id="5" name="Slide Number Placeholder 4"/>
+          <p:cNvPr id="5" name="Slide Number Placeholder 5"/>
           <p:cNvSpPr>
             <a:spLocks noGrp="1"/>
           </p:cNvSpPr>
@@ -26490,32 +26361,81 @@
           <a:bodyPr/>
           <a:lstStyle/>
           <a:p>
-            <a:fld id="{80B70B1B-9002-FB4A-9B01-AB0117187C58}" type="slidenum">
-              <a:rPr lang="en-US" smtClean="0"/>
+            <a:fld id="{1CF96E1D-9B39-9F43-834E-B48BFEC7A278}" type="slidenum">
+              <a:rPr lang="en-US"/>
               <a:pPr/>
               <a:t>19</a:t>
             </a:fld>
-            <a:endParaRPr lang="en-US" dirty="0"/>
+            <a:endParaRPr lang="en-US"/>
+          </a:p>
+        </p:txBody>
+      </p:sp>
+      <p:sp>
+        <p:nvSpPr>
+          <p:cNvPr id="108546" name="Rectangle 2"/>
+          <p:cNvSpPr>
+            <a:spLocks noGrp="1" noChangeArrowheads="1"/>
+          </p:cNvSpPr>
+          <p:nvPr>
+            <p:ph type="title"/>
+          </p:nvPr>
+        </p:nvSpPr>
+        <p:spPr/>
+        <p:txBody>
+          <a:bodyPr/>
+          <a:lstStyle/>
+          <a:p>
+            <a:r>
+              <a:rPr lang="en-US" dirty="0"/>
+              <a:t>NFA to DFA Conversion</a:t>
+            </a:r>
+          </a:p>
+        </p:txBody>
+      </p:sp>
+      <p:sp>
+        <p:nvSpPr>
+          <p:cNvPr id="108547" name="Rectangle 3"/>
+          <p:cNvSpPr>
+            <a:spLocks noGrp="1" noChangeArrowheads="1"/>
+          </p:cNvSpPr>
+          <p:nvPr>
+            <p:ph type="body" idx="1"/>
+          </p:nvPr>
+        </p:nvSpPr>
+        <p:spPr/>
+        <p:txBody>
+          <a:bodyPr/>
+          <a:lstStyle/>
+          <a:p>
+            <a:r>
+              <a:rPr lang="en-US"/>
+              <a:t>Conversion method closely follows the NFA simulation algorithm</a:t>
+            </a:r>
+          </a:p>
+          <a:p>
+            <a:r>
+              <a:rPr lang="en-US"/>
+              <a:t>Instead of simulating, we can collect those NFA states that behave identically on the same input</a:t>
+            </a:r>
+          </a:p>
+          <a:p>
+            <a:r>
+              <a:rPr lang="en-US"/>
+              <a:t>Group this set of states to form one state in the DFA</a:t>
+            </a:r>
           </a:p>
         </p:txBody>
       </p:sp>
     </p:spTree>
     <p:extLst>
       <p:ext uri="{BB962C8B-B14F-4D97-AF65-F5344CB8AC3E}">
-        <p14:creationId xmlns:p14="http://schemas.microsoft.com/office/powerpoint/2010/main" val="3941079232"/>
+        <p14:creationId xmlns:p14="http://schemas.microsoft.com/office/powerpoint/2010/main" val="855478693"/>
       </p:ext>
     </p:extLst>
   </p:cSld>
   <p:clrMapOvr>
     <a:masterClrMapping/>
   </p:clrMapOvr>
-  <p:timing>
-    <p:tnLst>
-      <p:par>
-        <p:cTn xmlns:p14="http://schemas.microsoft.com/office/powerpoint/2010/main" id="1" dur="indefinite" restart="never" nodeType="tmRoot"/>
-      </p:par>
-    </p:tnLst>
-  </p:timing>
 </p:sld>
 </file>
 
@@ -26554,7 +26474,7 @@
             <a:fld id="{55DE9D82-4703-CE41-89F2-159A563D2FF8}" type="datetime1">
               <a:rPr lang="en-US"/>
               <a:pPr/>
-              <a:t>16-06-14</a:t>
+              <a:t>5/29/19</a:t>
             </a:fld>
             <a:endParaRPr lang="en-US"/>
           </a:p>
@@ -26627,7 +26547,7 @@
           <a:lstStyle/>
           <a:p>
             <a:r>
-              <a:rPr lang="en-US" sz="3600" dirty="0" smtClean="0"/>
+              <a:rPr lang="en-US" sz="3600" dirty="0"/>
               <a:t>Token  </a:t>
             </a:r>
             <a:r>
@@ -26688,11 +26608,10 @@
               <a:rPr lang="en-US" sz="3600" dirty="0"/>
               <a:t> </a:t>
             </a:r>
-            <a:endParaRPr lang="en-US" sz="3600" dirty="0" smtClean="0"/>
           </a:p>
           <a:p>
             <a:r>
-              <a:rPr lang="en-US" sz="3600" dirty="0" smtClean="0"/>
+              <a:rPr lang="en-US" sz="3600" dirty="0"/>
               <a:t>DFA </a:t>
             </a:r>
             <a:r>
@@ -26702,10 +26621,9 @@
               <a:t> </a:t>
             </a:r>
             <a:r>
-              <a:rPr lang="en-US" sz="3600" dirty="0" smtClean="0"/>
+              <a:rPr lang="en-US" sz="3600" dirty="0"/>
               <a:t>Table-driven implementation of DFA</a:t>
             </a:r>
-            <a:endParaRPr lang="en-US" sz="3600" dirty="0"/>
           </a:p>
         </p:txBody>
       </p:sp>
@@ -26787,7 +26705,7 @@
   <p:timing>
     <p:tnLst>
       <p:par>
-        <p:cTn xmlns:p14="http://schemas.microsoft.com/office/powerpoint/2010/main" id="1" dur="indefinite" restart="never" nodeType="tmRoot">
+        <p:cTn id="1" dur="indefinite" restart="never" nodeType="tmRoot">
           <p:childTnLst>
             <p:seq concurrent="1" nextAc="seek">
               <p:cTn id="2" dur="indefinite" nodeType="mainSeq">
@@ -26884,156 +26802,6 @@
       </p:grpSpPr>
       <p:sp>
         <p:nvSpPr>
-          <p:cNvPr id="4" name="Date Placeholder 3"/>
-          <p:cNvSpPr>
-            <a:spLocks noGrp="1"/>
-          </p:cNvSpPr>
-          <p:nvPr>
-            <p:ph type="dt" sz="half" idx="10"/>
-          </p:nvPr>
-        </p:nvSpPr>
-        <p:spPr/>
-        <p:txBody>
-          <a:bodyPr/>
-          <a:lstStyle/>
-          <a:p>
-            <a:fld id="{FB7FC1FB-8426-AC4F-B69C-5CE0416E9C3D}" type="datetime1">
-              <a:rPr lang="en-US"/>
-              <a:pPr/>
-              <a:t>16-06-14</a:t>
-            </a:fld>
-            <a:endParaRPr lang="en-US"/>
-          </a:p>
-        </p:txBody>
-      </p:sp>
-      <p:sp>
-        <p:nvSpPr>
-          <p:cNvPr id="5" name="Slide Number Placeholder 5"/>
-          <p:cNvSpPr>
-            <a:spLocks noGrp="1"/>
-          </p:cNvSpPr>
-          <p:nvPr>
-            <p:ph type="sldNum" sz="quarter" idx="12"/>
-          </p:nvPr>
-        </p:nvSpPr>
-        <p:spPr/>
-        <p:txBody>
-          <a:bodyPr/>
-          <a:lstStyle/>
-          <a:p>
-            <a:fld id="{1CF96E1D-9B39-9F43-834E-B48BFEC7A278}" type="slidenum">
-              <a:rPr lang="en-US"/>
-              <a:pPr/>
-              <a:t>20</a:t>
-            </a:fld>
-            <a:endParaRPr lang="en-US"/>
-          </a:p>
-        </p:txBody>
-      </p:sp>
-      <p:sp>
-        <p:nvSpPr>
-          <p:cNvPr id="108546" name="Rectangle 2"/>
-          <p:cNvSpPr>
-            <a:spLocks noGrp="1" noChangeArrowheads="1"/>
-          </p:cNvSpPr>
-          <p:nvPr>
-            <p:ph type="title"/>
-          </p:nvPr>
-        </p:nvSpPr>
-        <p:spPr/>
-        <p:txBody>
-          <a:bodyPr/>
-          <a:lstStyle/>
-          <a:p>
-            <a:r>
-              <a:rPr lang="en-US" dirty="0" smtClean="0"/>
-              <a:t>NFA </a:t>
-            </a:r>
-            <a:r>
-              <a:rPr lang="en-US" dirty="0"/>
-              <a:t>to DFA </a:t>
-            </a:r>
-            <a:r>
-              <a:rPr lang="en-US" dirty="0" smtClean="0"/>
-              <a:t>Conversion</a:t>
-            </a:r>
-            <a:endParaRPr lang="en-US" dirty="0"/>
-          </a:p>
-        </p:txBody>
-      </p:sp>
-      <p:sp>
-        <p:nvSpPr>
-          <p:cNvPr id="108547" name="Rectangle 3"/>
-          <p:cNvSpPr>
-            <a:spLocks noGrp="1" noChangeArrowheads="1"/>
-          </p:cNvSpPr>
-          <p:nvPr>
-            <p:ph type="body" idx="1"/>
-          </p:nvPr>
-        </p:nvSpPr>
-        <p:spPr/>
-        <p:txBody>
-          <a:bodyPr/>
-          <a:lstStyle/>
-          <a:p>
-            <a:r>
-              <a:rPr lang="en-US"/>
-              <a:t>Conversion method closely follows the NFA simulation algorithm</a:t>
-            </a:r>
-          </a:p>
-          <a:p>
-            <a:r>
-              <a:rPr lang="en-US"/>
-              <a:t>Instead of simulating, we can collect those NFA states that behave identically on the same input</a:t>
-            </a:r>
-          </a:p>
-          <a:p>
-            <a:r>
-              <a:rPr lang="en-US"/>
-              <a:t>Group this set of states to form one state in the DFA</a:t>
-            </a:r>
-          </a:p>
-        </p:txBody>
-      </p:sp>
-    </p:spTree>
-    <p:extLst>
-      <p:ext uri="{BB962C8B-B14F-4D97-AF65-F5344CB8AC3E}">
-        <p14:creationId xmlns:p14="http://schemas.microsoft.com/office/powerpoint/2010/main" val="855478693"/>
-      </p:ext>
-    </p:extLst>
-  </p:cSld>
-  <p:clrMapOvr>
-    <a:masterClrMapping/>
-  </p:clrMapOvr>
-  <p:timing>
-    <p:tnLst>
-      <p:par>
-        <p:cTn xmlns:p14="http://schemas.microsoft.com/office/powerpoint/2010/main" id="1" dur="indefinite" restart="never" nodeType="tmRoot"/>
-      </p:par>
-    </p:tnLst>
-  </p:timing>
-</p:sld>
-</file>
-
-<file path=ppt/slides/slide21.xml><?xml version="1.0" encoding="utf-8"?>
-<p:sld xmlns:a="http://schemas.openxmlformats.org/drawingml/2006/main" xmlns:r="http://schemas.openxmlformats.org/officeDocument/2006/relationships" xmlns:p="http://schemas.openxmlformats.org/presentationml/2006/main">
-  <p:cSld>
-    <p:spTree>
-      <p:nvGrpSpPr>
-        <p:cNvPr id="1" name=""/>
-        <p:cNvGrpSpPr/>
-        <p:nvPr/>
-      </p:nvGrpSpPr>
-      <p:grpSpPr>
-        <a:xfrm>
-          <a:off x="0" y="0"/>
-          <a:ext cx="0" cy="0"/>
-          <a:chOff x="0" y="0"/>
-          <a:chExt cx="0" cy="0"/>
-        </a:xfrm>
-      </p:grpSpPr>
-      <p:sp>
-        <p:nvSpPr>
           <p:cNvPr id="6" name="Date Placeholder 2"/>
           <p:cNvSpPr>
             <a:spLocks noGrp="1"/>
@@ -27050,7 +26818,7 @@
             <a:fld id="{35888C4C-EDFD-A64F-9D65-C28542994327}" type="datetime1">
               <a:rPr lang="en-US"/>
               <a:pPr/>
-              <a:t>16-06-14</a:t>
+              <a:t>5/29/19</a:t>
             </a:fld>
             <a:endParaRPr lang="en-US"/>
           </a:p>
@@ -27074,7 +26842,7 @@
             <a:fld id="{0A564409-C815-FA4A-97E7-8F65235BB1E3}" type="slidenum">
               <a:rPr lang="en-US"/>
               <a:pPr/>
-              <a:t>21</a:t>
+              <a:t>20</a:t>
             </a:fld>
             <a:endParaRPr lang="en-US"/>
           </a:p>
@@ -27096,10 +26864,9 @@
           <a:lstStyle/>
           <a:p>
             <a:r>
-              <a:rPr lang="en-US" dirty="0" smtClean="0"/>
+              <a:rPr lang="en-US" dirty="0"/>
               <a:t>NFA to DFA</a:t>
             </a:r>
-            <a:endParaRPr lang="en-US" dirty="0"/>
           </a:p>
         </p:txBody>
       </p:sp>
@@ -27179,8 +26946,8 @@
           </a:p>
         </p:txBody>
       </p:sp>
-      <mc:AlternateContent xmlns:mc="http://schemas.openxmlformats.org/markup-compatibility/2006" xmlns:a14="http://schemas.microsoft.com/office/drawing/2010/main">
-        <mc:Choice Requires="a14">
+      <mc:AlternateContent xmlns:mc="http://schemas.openxmlformats.org/markup-compatibility/2006">
+        <mc:Choice xmlns:a14="http://schemas.microsoft.com/office/drawing/2010/main" Requires="a14">
           <p:sp>
             <p:nvSpPr>
               <p:cNvPr id="372741" name="Text Box 5"/>
@@ -27216,7 +26983,7 @@
               <a:lstStyle/>
               <a:p>
                 <a:r>
-                  <a:rPr lang="en-US" dirty="0" smtClean="0"/>
+                  <a:rPr lang="en-US" dirty="0"/>
                   <a:t>states[0] = </a:t>
                 </a:r>
                 <a:r>
@@ -27270,7 +27037,7 @@
                   <a:t> p </a:t>
                 </a:r>
                 <a:r>
-                  <a:rPr lang="en-US" b="1" dirty="0" smtClean="0">
+                  <a:rPr lang="en-US" b="1" dirty="0">
                     <a:sym typeface="Symbol" charset="2"/>
                   </a:rPr>
                   <a:t>do</a:t>
@@ -27309,39 +27076,32 @@
                   <a:t> </a:t>
                 </a:r>
                 <a14:m>
-                  <m:oMath xmlns="" xmlns:m="http://schemas.openxmlformats.org/officeDocument/2006/math">
+                  <m:oMath xmlns:m="http://schemas.openxmlformats.org/officeDocument/2006/math">
                     <m:r>
-                      <a:rPr lang="en-US" i="1" smtClean="0">
-                        <a:latin typeface="Cambria Math"/>
-                        <a:ea typeface="Cambria Math"/>
+                      <a:rPr lang="en-US" b="0" i="1" smtClean="0">
+                        <a:latin typeface="Cambria Math" panose="02040503050406030204" pitchFamily="18" charset="0"/>
                       </a:rPr>
                       <m:t>∈</m:t>
                     </m:r>
-                    <m:nary>
-                      <m:naryPr>
-                        <m:chr m:val="∑"/>
-                        <m:subHide m:val="on"/>
-                        <m:supHide m:val="on"/>
-                        <m:ctrlPr>
-                          <a:rPr lang="en-US" i="1">
-                            <a:latin typeface="Cambria Math"/>
-                          </a:rPr>
-                        </m:ctrlPr>
-                      </m:naryPr>
-                      <m:sub/>
-                      <m:sup/>
-                      <m:e/>
-                    </m:nary>
+                    <m:r>
+                      <m:rPr>
+                        <m:sty m:val="p"/>
+                      </m:rPr>
+                      <a:rPr lang="en-US" b="0" i="0" smtClean="0">
+                        <a:latin typeface="Cambria Math" panose="02040503050406030204" pitchFamily="18" charset="0"/>
+                      </a:rPr>
+                      <m:t>Σ</m:t>
+                    </m:r>
+                    <m:r>
+                      <a:rPr lang="en-US" b="0" i="1" smtClean="0">
+                        <a:latin typeface="Cambria Math" panose="02040503050406030204" pitchFamily="18" charset="0"/>
+                      </a:rPr>
+                      <m:t> </m:t>
+                    </m:r>
                   </m:oMath>
                 </a14:m>
                 <a:r>
-                  <a:rPr lang="en-US" i="1" dirty="0">
-                    <a:sym typeface="Symbol" charset="2"/>
-                  </a:rPr>
-                  <a:t> </a:t>
-                </a:r>
-                <a:r>
-                  <a:rPr lang="en-US" b="1" dirty="0" smtClean="0">
+                  <a:rPr lang="en-US" b="1" dirty="0">
                     <a:sym typeface="Symbol" charset="2"/>
                   </a:rPr>
                   <a:t>do</a:t>
@@ -27492,18 +27252,13 @@
               <a:p>
                 <a:r>
                   <a:rPr lang="en-US" dirty="0"/>
-                  <a:t>	j = j + </a:t>
+                  <a:t>	j = j + 1</a:t>
                 </a:r>
-                <a:r>
-                  <a:rPr lang="en-US" dirty="0" smtClean="0"/>
-                  <a:t>1</a:t>
-                </a:r>
-                <a:endParaRPr lang="en-US" dirty="0"/>
               </a:p>
             </p:txBody>
           </p:sp>
         </mc:Choice>
-        <mc:Fallback xmlns="">
+        <mc:Fallback>
           <p:sp>
             <p:nvSpPr>
               <p:cNvPr id="372741" name="Text Box 5"/>
@@ -27520,10 +27275,10 @@
               <a:prstGeom prst="rect">
                 <a:avLst/>
               </a:prstGeom>
-              <a:blipFill rotWithShape="1">
+              <a:blipFill>
                 <a:blip r:embed="rId3"/>
                 <a:stretch>
-                  <a:fillRect l="-1407" t="-1320" b="-2346"/>
+                  <a:fillRect l="-1280" t="-1524" b="-2439"/>
                 </a:stretch>
               </a:blipFill>
               <a:ln w="9525">
@@ -27539,7 +27294,7 @@
               <a:lstStyle/>
               <a:p>
                 <a:r>
-                  <a:rPr lang="en-CA">
+                  <a:rPr lang="en-US">
                     <a:noFill/>
                   </a:rPr>
                   <a:t> </a:t>
@@ -27559,13 +27314,6 @@
   <p:clrMapOvr>
     <a:masterClrMapping/>
   </p:clrMapOvr>
-  <p:timing>
-    <p:tnLst>
-      <p:par>
-        <p:cTn xmlns:p14="http://schemas.microsoft.com/office/powerpoint/2010/main" id="1" dur="indefinite" restart="never" nodeType="tmRoot"/>
-      </p:par>
-    </p:tnLst>
-  </p:timing>
 </p:sld>
 </file>
 
@@ -27623,14 +27371,11 @@
           <a:p>
             <a:pPr algn="ctr" eaLnBrk="1" hangingPunct="1"/>
             <a:r>
-              <a:rPr lang="en-US" dirty="0" smtClean="0">
+              <a:rPr lang="en-US" dirty="0">
                 <a:latin typeface="Times New Roman" charset="0"/>
               </a:rPr>
               <a:t>9</a:t>
             </a:r>
-            <a:endParaRPr lang="en-US" dirty="0">
-              <a:latin typeface="Times New Roman" charset="0"/>
-            </a:endParaRPr>
           </a:p>
         </p:txBody>
       </p:sp>
@@ -27671,14 +27416,11 @@
           <a:p>
             <a:pPr algn="ctr" eaLnBrk="1" hangingPunct="1"/>
             <a:r>
-              <a:rPr lang="en-US" dirty="0" smtClean="0">
+              <a:rPr lang="en-US" dirty="0">
                 <a:latin typeface="Times New Roman" charset="0"/>
               </a:rPr>
               <a:t>8</a:t>
             </a:r>
-            <a:endParaRPr lang="en-US" dirty="0">
-              <a:latin typeface="Times New Roman" charset="0"/>
-            </a:endParaRPr>
           </a:p>
         </p:txBody>
       </p:sp>
@@ -27719,14 +27461,11 @@
           <a:p>
             <a:pPr algn="ctr" eaLnBrk="1" hangingPunct="1"/>
             <a:r>
-              <a:rPr lang="en-US" dirty="0" smtClean="0">
+              <a:rPr lang="en-US" dirty="0">
                 <a:latin typeface="Times New Roman" charset="0"/>
               </a:rPr>
               <a:t>7</a:t>
             </a:r>
-            <a:endParaRPr lang="en-US" dirty="0">
-              <a:latin typeface="Times New Roman" charset="0"/>
-            </a:endParaRPr>
           </a:p>
         </p:txBody>
       </p:sp>
@@ -27767,14 +27506,11 @@
           <a:p>
             <a:pPr algn="ctr" eaLnBrk="1" hangingPunct="1"/>
             <a:r>
-              <a:rPr lang="en-US" dirty="0" smtClean="0">
+              <a:rPr lang="en-US" dirty="0">
                 <a:latin typeface="Times New Roman" charset="0"/>
               </a:rPr>
               <a:t>5</a:t>
             </a:r>
-            <a:endParaRPr lang="en-US" dirty="0">
-              <a:latin typeface="Times New Roman" charset="0"/>
-            </a:endParaRPr>
           </a:p>
         </p:txBody>
       </p:sp>
@@ -27815,14 +27551,11 @@
           <a:p>
             <a:pPr algn="ctr" eaLnBrk="1" hangingPunct="1"/>
             <a:r>
-              <a:rPr lang="en-US" dirty="0" smtClean="0">
+              <a:rPr lang="en-US" dirty="0">
                 <a:latin typeface="Times New Roman" charset="0"/>
               </a:rPr>
               <a:t>4</a:t>
             </a:r>
-            <a:endParaRPr lang="en-US" dirty="0">
-              <a:latin typeface="Times New Roman" charset="0"/>
-            </a:endParaRPr>
           </a:p>
         </p:txBody>
       </p:sp>
@@ -27863,14 +27596,11 @@
           <a:p>
             <a:pPr algn="ctr" eaLnBrk="1" hangingPunct="1"/>
             <a:r>
-              <a:rPr lang="en-US" dirty="0" smtClean="0">
+              <a:rPr lang="en-US" dirty="0">
                 <a:latin typeface="Times New Roman" charset="0"/>
               </a:rPr>
               <a:t>3</a:t>
             </a:r>
-            <a:endParaRPr lang="en-US" dirty="0">
-              <a:latin typeface="Times New Roman" charset="0"/>
-            </a:endParaRPr>
           </a:p>
         </p:txBody>
       </p:sp>
@@ -27892,7 +27622,7 @@
             <a:fld id="{7232A9D1-1B90-094E-9B96-90424308E8A0}" type="datetime1">
               <a:rPr lang="en-US"/>
               <a:pPr/>
-              <a:t>16-06-14</a:t>
+              <a:t>5/29/19</a:t>
             </a:fld>
             <a:endParaRPr lang="en-US"/>
           </a:p>
@@ -27977,14 +27707,11 @@
             <a:p>
               <a:pPr algn="ctr" eaLnBrk="1" hangingPunct="1"/>
               <a:r>
-                <a:rPr lang="en-US" dirty="0" smtClean="0">
+                <a:rPr lang="en-US" dirty="0">
                   <a:latin typeface="Times New Roman" charset="0"/>
                 </a:rPr>
                 <a:t>6</a:t>
               </a:r>
-              <a:endParaRPr lang="en-US" dirty="0">
-                <a:latin typeface="Times New Roman" charset="0"/>
-              </a:endParaRPr>
             </a:p>
           </p:txBody>
         </p:sp>
@@ -28027,14 +27754,11 @@
             <a:p>
               <a:pPr algn="ctr" eaLnBrk="1" hangingPunct="1"/>
               <a:r>
-                <a:rPr lang="en-US" dirty="0" smtClean="0">
+                <a:rPr lang="en-US" dirty="0">
                   <a:latin typeface="Times New Roman" charset="0"/>
                 </a:rPr>
                 <a:t>4</a:t>
               </a:r>
-              <a:endParaRPr lang="en-US" dirty="0">
-                <a:latin typeface="Times New Roman" charset="0"/>
-              </a:endParaRPr>
             </a:p>
           </p:txBody>
         </p:sp>
@@ -28077,14 +27801,11 @@
             <a:p>
               <a:pPr algn="ctr" eaLnBrk="1" hangingPunct="1"/>
               <a:r>
-                <a:rPr lang="en-US" dirty="0" smtClean="0">
+                <a:rPr lang="en-US" dirty="0">
                   <a:latin typeface="Times New Roman" charset="0"/>
                 </a:rPr>
                 <a:t>5</a:t>
               </a:r>
-              <a:endParaRPr lang="en-US" dirty="0">
-                <a:latin typeface="Times New Roman" charset="0"/>
-              </a:endParaRPr>
             </a:p>
           </p:txBody>
         </p:sp>
@@ -28279,14 +28000,11 @@
             <a:p>
               <a:pPr algn="ctr" eaLnBrk="1" hangingPunct="1"/>
               <a:r>
-                <a:rPr lang="en-US" dirty="0" smtClean="0">
+                <a:rPr lang="en-US" dirty="0">
                   <a:latin typeface="Times New Roman" charset="0"/>
                 </a:rPr>
                 <a:t>7</a:t>
               </a:r>
-              <a:endParaRPr lang="en-US" dirty="0">
-                <a:latin typeface="Times New Roman" charset="0"/>
-              </a:endParaRPr>
             </a:p>
           </p:txBody>
         </p:sp>
@@ -28433,14 +28151,11 @@
             <a:p>
               <a:pPr algn="ctr" eaLnBrk="1" hangingPunct="1"/>
               <a:r>
-                <a:rPr lang="en-US" dirty="0" smtClean="0">
+                <a:rPr lang="en-US" dirty="0">
                   <a:latin typeface="Times New Roman" charset="0"/>
                 </a:rPr>
                 <a:t>3</a:t>
               </a:r>
-              <a:endParaRPr lang="en-US" dirty="0">
-                <a:latin typeface="Times New Roman" charset="0"/>
-              </a:endParaRPr>
             </a:p>
           </p:txBody>
         </p:sp>
@@ -28483,14 +28198,11 @@
             <a:p>
               <a:pPr algn="ctr" eaLnBrk="1" hangingPunct="1"/>
               <a:r>
-                <a:rPr lang="en-US" dirty="0" smtClean="0">
+                <a:rPr lang="en-US" dirty="0">
                   <a:latin typeface="Times New Roman" charset="0"/>
                 </a:rPr>
                 <a:t>8</a:t>
               </a:r>
-              <a:endParaRPr lang="en-US" dirty="0">
-                <a:latin typeface="Times New Roman" charset="0"/>
-              </a:endParaRPr>
             </a:p>
           </p:txBody>
         </p:sp>
@@ -28815,14 +28527,11 @@
             <a:p>
               <a:pPr algn="ctr" eaLnBrk="1" hangingPunct="1"/>
               <a:r>
-                <a:rPr lang="en-US" dirty="0" smtClean="0">
+                <a:rPr lang="en-US" dirty="0">
                   <a:latin typeface="Times New Roman" charset="0"/>
                 </a:rPr>
                 <a:t>9</a:t>
               </a:r>
-              <a:endParaRPr lang="en-US" dirty="0">
-                <a:latin typeface="Times New Roman" charset="0"/>
-              </a:endParaRPr>
             </a:p>
           </p:txBody>
         </p:sp>
@@ -28975,14 +28684,11 @@
             <a:p>
               <a:pPr algn="ctr" eaLnBrk="1" hangingPunct="1"/>
               <a:r>
-                <a:rPr lang="en-US" dirty="0" smtClean="0">
+                <a:rPr lang="en-US" dirty="0">
                   <a:latin typeface="Times New Roman" charset="0"/>
                 </a:rPr>
                 <a:t>2</a:t>
               </a:r>
-              <a:endParaRPr lang="en-US" dirty="0">
-                <a:latin typeface="Times New Roman" charset="0"/>
-              </a:endParaRPr>
             </a:p>
           </p:txBody>
         </p:sp>
@@ -29153,14 +28859,11 @@
             <a:p>
               <a:pPr algn="ctr" eaLnBrk="1" hangingPunct="1"/>
               <a:r>
-                <a:rPr lang="en-US" dirty="0" smtClean="0">
+                <a:rPr lang="en-US" dirty="0">
                   <a:latin typeface="Times New Roman" charset="0"/>
                 </a:rPr>
                 <a:t>10</a:t>
               </a:r>
-              <a:endParaRPr lang="en-US" dirty="0">
-                <a:latin typeface="Times New Roman" charset="0"/>
-              </a:endParaRPr>
             </a:p>
           </p:txBody>
         </p:sp>
@@ -29203,14 +28906,11 @@
             <a:p>
               <a:pPr algn="ctr" eaLnBrk="1" hangingPunct="1"/>
               <a:r>
-                <a:rPr lang="en-US" dirty="0" smtClean="0">
+                <a:rPr lang="en-US" dirty="0">
                   <a:latin typeface="Times New Roman" charset="0"/>
                 </a:rPr>
                 <a:t>11</a:t>
               </a:r>
-              <a:endParaRPr lang="en-US" dirty="0">
-                <a:latin typeface="Times New Roman" charset="0"/>
-              </a:endParaRPr>
             </a:p>
           </p:txBody>
         </p:sp>
@@ -29401,14 +29101,11 @@
             <a:p>
               <a:pPr algn="ctr" eaLnBrk="1" hangingPunct="1"/>
               <a:r>
-                <a:rPr lang="en-US" dirty="0" smtClean="0">
+                <a:rPr lang="en-US" dirty="0">
                   <a:latin typeface="Times New Roman" charset="0"/>
                 </a:rPr>
                 <a:t>12</a:t>
               </a:r>
-              <a:endParaRPr lang="en-US" dirty="0">
-                <a:latin typeface="Times New Roman" charset="0"/>
-              </a:endParaRPr>
             </a:p>
           </p:txBody>
         </p:sp>
@@ -29451,14 +29148,11 @@
             <a:p>
               <a:pPr algn="ctr" eaLnBrk="1" hangingPunct="1"/>
               <a:r>
-                <a:rPr lang="en-US" dirty="0" smtClean="0">
+                <a:rPr lang="en-US" dirty="0">
                   <a:latin typeface="Times New Roman" charset="0"/>
                 </a:rPr>
                 <a:t>13</a:t>
               </a:r>
-              <a:endParaRPr lang="en-US" dirty="0">
-                <a:latin typeface="Times New Roman" charset="0"/>
-              </a:endParaRPr>
             </a:p>
           </p:txBody>
         </p:sp>
@@ -29605,14 +29299,11 @@
             <a:p>
               <a:pPr algn="ctr" eaLnBrk="1" hangingPunct="1"/>
               <a:r>
-                <a:rPr lang="en-US" dirty="0" smtClean="0">
+                <a:rPr lang="en-US" dirty="0">
                   <a:latin typeface="Times New Roman" charset="0"/>
                 </a:rPr>
                 <a:t>1</a:t>
               </a:r>
-              <a:endParaRPr lang="en-US" dirty="0">
-                <a:latin typeface="Times New Roman" charset="0"/>
-              </a:endParaRPr>
             </a:p>
           </p:txBody>
         </p:sp>
@@ -29685,14 +29376,11 @@
             <a:p>
               <a:pPr algn="ctr" eaLnBrk="1" hangingPunct="1"/>
               <a:r>
-                <a:rPr lang="en-US" dirty="0" smtClean="0">
+                <a:rPr lang="en-US" dirty="0">
                   <a:latin typeface="Times New Roman" charset="0"/>
                 </a:rPr>
                 <a:t>14</a:t>
               </a:r>
-              <a:endParaRPr lang="en-US" dirty="0">
-                <a:latin typeface="Times New Roman" charset="0"/>
-              </a:endParaRPr>
             </a:p>
           </p:txBody>
         </p:sp>
@@ -30146,11 +29834,11 @@
           <a:p>
             <a:pPr eaLnBrk="1" hangingPunct="1"/>
             <a:r>
-              <a:rPr lang="el-GR" sz="5400" kern="0" dirty="0" smtClean="0"/>
+              <a:rPr lang="el-GR" sz="5400" kern="0" dirty="0"/>
               <a:t>ε</a:t>
             </a:r>
             <a:r>
-              <a:rPr lang="en-CA" sz="5400" kern="0" dirty="0" smtClean="0"/>
+              <a:rPr lang="en-CA" sz="5400" kern="0" dirty="0"/>
               <a:t>-closure</a:t>
             </a:r>
             <a:endParaRPr lang="en-US" sz="5400" kern="0" dirty="0"/>
@@ -30179,28 +29867,19 @@
           <a:lstStyle/>
           <a:p>
             <a:r>
-              <a:rPr lang="en-CA" dirty="0" smtClean="0"/>
+              <a:rPr lang="en-CA" dirty="0"/>
               <a:t>ε-closure(s)=</a:t>
             </a:r>
             <a:r>
-              <a:rPr lang="en-US" dirty="0" smtClean="0">
+              <a:rPr lang="en-US" dirty="0">
                 <a:sym typeface="Symbol" charset="2"/>
               </a:rPr>
               <a:t> </a:t>
             </a:r>
             <a:r>
-              <a:rPr lang="en-CA" dirty="0" smtClean="0"/>
-              <a:t>all states reached by </a:t>
+              <a:rPr lang="en-CA" dirty="0"/>
+              <a:t>all states reached by following only ε-transitions</a:t>
             </a:r>
-            <a:r>
-              <a:rPr lang="en-CA" dirty="0"/>
-              <a:t>following only </a:t>
-            </a:r>
-            <a:r>
-              <a:rPr lang="en-CA" dirty="0" smtClean="0"/>
-              <a:t>ε-transitions</a:t>
-            </a:r>
-            <a:endParaRPr lang="en-CA" dirty="0"/>
           </a:p>
         </p:txBody>
       </p:sp>
@@ -30226,18 +29905,13 @@
           <a:lstStyle/>
           <a:p>
             <a:r>
-              <a:rPr lang="en-CA" dirty="0" smtClean="0">
+              <a:rPr lang="en-CA" dirty="0">
                 <a:solidFill>
                   <a:srgbClr val="FF0000"/>
                 </a:solidFill>
               </a:rPr>
               <a:t>ε-closure(3) =</a:t>
             </a:r>
-            <a:endParaRPr lang="en-CA" dirty="0">
-              <a:solidFill>
-                <a:srgbClr val="FF0000"/>
-              </a:solidFill>
-            </a:endParaRPr>
           </a:p>
         </p:txBody>
       </p:sp>
@@ -30263,18 +29937,13 @@
           <a:lstStyle/>
           <a:p>
             <a:r>
-              <a:rPr lang="en-CA" dirty="0" smtClean="0">
+              <a:rPr lang="en-CA" dirty="0">
                 <a:solidFill>
                   <a:srgbClr val="FF0000"/>
                 </a:solidFill>
               </a:rPr>
               <a:t>{3,4,6}</a:t>
             </a:r>
-            <a:endParaRPr lang="en-CA" dirty="0">
-              <a:solidFill>
-                <a:srgbClr val="FF0000"/>
-              </a:solidFill>
-            </a:endParaRPr>
           </a:p>
         </p:txBody>
       </p:sp>
@@ -30300,18 +29969,13 @@
           <a:lstStyle/>
           <a:p>
             <a:r>
-              <a:rPr lang="en-CA" dirty="0" smtClean="0">
+              <a:rPr lang="en-CA" dirty="0">
                 <a:solidFill>
                   <a:schemeClr val="accent2"/>
                 </a:solidFill>
               </a:rPr>
               <a:t>ε-closure(7) =</a:t>
             </a:r>
-            <a:endParaRPr lang="en-CA" dirty="0">
-              <a:solidFill>
-                <a:schemeClr val="accent2"/>
-              </a:solidFill>
-            </a:endParaRPr>
           </a:p>
         </p:txBody>
       </p:sp>
@@ -30463,18 +30127,13 @@
           <a:lstStyle/>
           <a:p>
             <a:r>
-              <a:rPr lang="en-CA" dirty="0" smtClean="0">
+              <a:rPr lang="en-CA" dirty="0">
                 <a:solidFill>
                   <a:schemeClr val="accent2"/>
                 </a:solidFill>
               </a:rPr>
               <a:t>{7,8,9,3,4,6}</a:t>
             </a:r>
-            <a:endParaRPr lang="en-CA" dirty="0">
-              <a:solidFill>
-                <a:schemeClr val="accent2"/>
-              </a:solidFill>
-            </a:endParaRPr>
           </a:p>
         </p:txBody>
       </p:sp>
@@ -30491,7 +30150,7 @@
   <p:timing>
     <p:tnLst>
       <p:par>
-        <p:cTn xmlns:p14="http://schemas.microsoft.com/office/powerpoint/2010/main" id="1" dur="indefinite" restart="never" nodeType="tmRoot">
+        <p:cTn id="1" dur="indefinite" restart="never" nodeType="tmRoot">
           <p:childTnLst>
             <p:seq concurrent="1" nextAc="seek">
               <p:cTn id="2" dur="indefinite" nodeType="mainSeq">
@@ -31102,7 +30761,7 @@
             <a:fld id="{305D0E4C-7C84-8541-AD13-80B6916CD742}" type="datetime1">
               <a:rPr lang="en-US"/>
               <a:pPr/>
-              <a:t>16-06-14</a:t>
+              <a:t>5/29/19</a:t>
             </a:fld>
             <a:endParaRPr lang="en-US"/>
           </a:p>
@@ -31248,12 +30907,6 @@
               </a:rPr>
               <a:t>do begin</a:t>
             </a:r>
-            <a:r>
-              <a:rPr lang="en-US" sz="2800">
-                <a:sym typeface="Symbol" charset="2"/>
-              </a:rPr>
-              <a:t/>
-            </a:r>
             <a:br>
               <a:rPr lang="en-US" sz="2800">
                 <a:sym typeface="Symbol" charset="2"/>
@@ -31270,12 +30923,6 @@
                 <a:sym typeface="Symbol" charset="2"/>
               </a:rPr>
               <a:t>stack</a:t>
-            </a:r>
-            <a:r>
-              <a:rPr lang="en-US" sz="2800">
-                <a:sym typeface="Symbol" charset="2"/>
-              </a:rPr>
-              <a:t/>
             </a:r>
             <a:br>
               <a:rPr lang="en-US" sz="2800">
@@ -31329,12 +30976,6 @@
                 <a:sym typeface="Symbol" charset="2"/>
               </a:rPr>
               <a:t>do</a:t>
-            </a:r>
-            <a:r>
-              <a:rPr lang="en-US" sz="2800">
-                <a:sym typeface="Symbol" charset="2"/>
-              </a:rPr>
-              <a:t/>
             </a:r>
             <a:br>
               <a:rPr lang="en-US" sz="2800">
@@ -31395,12 +31036,6 @@
               </a:rPr>
               <a:t>begin</a:t>
             </a:r>
-            <a:r>
-              <a:rPr lang="en-US" sz="2800">
-                <a:sym typeface="Symbol" charset="2"/>
-              </a:rPr>
-              <a:t/>
-            </a:r>
             <a:br>
               <a:rPr lang="en-US" sz="2800">
                 <a:sym typeface="Symbol" charset="2"/>
@@ -31447,12 +31082,6 @@
               </a:rPr>
               <a:t>stack</a:t>
             </a:r>
-            <a:r>
-              <a:rPr lang="en-US" sz="2800">
-                <a:sym typeface="Symbol" charset="2"/>
-              </a:rPr>
-              <a:t/>
-            </a:r>
             <a:br>
               <a:rPr lang="en-US" sz="2800">
                 <a:sym typeface="Symbol" charset="2"/>
@@ -31469,12 +31098,6 @@
                 <a:sym typeface="Symbol" charset="2"/>
               </a:rPr>
               <a:t>end</a:t>
-            </a:r>
-            <a:r>
-              <a:rPr lang="en-US" sz="2800">
-                <a:sym typeface="Symbol" charset="2"/>
-              </a:rPr>
-              <a:t/>
             </a:r>
             <a:br>
               <a:rPr lang="en-US" sz="2800">
@@ -31500,13 +31123,6 @@
   <p:clrMapOvr>
     <a:masterClrMapping/>
   </p:clrMapOvr>
-  <p:timing>
-    <p:tnLst>
-      <p:par>
-        <p:cTn xmlns:p14="http://schemas.microsoft.com/office/powerpoint/2010/main" id="1" dur="indefinite" restart="never" nodeType="tmRoot"/>
-      </p:par>
-    </p:tnLst>
-  </p:timing>
 </p:sld>
 </file>
 
@@ -31545,7 +31161,7 @@
             <a:fld id="{FFD09D54-B2B2-1344-A374-9E9588A64174}" type="datetime1">
               <a:rPr lang="en-US"/>
               <a:pPr/>
-              <a:t>16-06-14</a:t>
+              <a:t>5/29/19</a:t>
             </a:fld>
             <a:endParaRPr lang="en-US" dirty="0"/>
           </a:p>
@@ -31618,7 +31234,7 @@
               </a:lnSpc>
             </a:pPr>
             <a:r>
-              <a:rPr lang="en-US" dirty="0" smtClean="0"/>
+              <a:rPr lang="en-US" dirty="0"/>
               <a:t>An NFA  may be in many states at any time</a:t>
             </a:r>
           </a:p>
@@ -31636,7 +31252,7 @@
                 <a:spcPct val="90000"/>
               </a:lnSpc>
             </a:pPr>
-            <a:endParaRPr lang="en-US" dirty="0" smtClean="0"/>
+            <a:endParaRPr lang="en-US" dirty="0"/>
           </a:p>
           <a:p>
             <a:pPr>
@@ -31653,10 +31269,9 @@
               </a:lnSpc>
             </a:pPr>
             <a:r>
-              <a:rPr lang="en-US" dirty="0" smtClean="0"/>
+              <a:rPr lang="en-US" dirty="0"/>
               <a:t>How many different states?</a:t>
             </a:r>
-            <a:endParaRPr lang="en-US" dirty="0"/>
           </a:p>
         </p:txBody>
       </p:sp>
@@ -32176,10 +31791,9 @@
               <a:p>
                 <a:pPr algn="ctr" eaLnBrk="1" hangingPunct="1"/>
                 <a:r>
-                  <a:rPr lang="en-US" dirty="0" smtClean="0"/>
+                  <a:rPr lang="en-US" dirty="0"/>
                   <a:t>100</a:t>
                 </a:r>
-                <a:endParaRPr lang="en-US" dirty="0"/>
               </a:p>
             </p:txBody>
           </p:sp>
@@ -32219,10 +31833,9 @@
               <a:p>
                 <a:pPr algn="ctr" eaLnBrk="1" hangingPunct="1"/>
                 <a:r>
-                  <a:rPr lang="en-US" dirty="0" smtClean="0"/>
+                  <a:rPr lang="en-US" dirty="0"/>
                   <a:t>{A}</a:t>
                 </a:r>
-                <a:endParaRPr lang="en-US" dirty="0"/>
               </a:p>
             </p:txBody>
           </p:sp>
@@ -32320,10 +31933,9 @@
                 <a:p>
                   <a:pPr algn="ctr" eaLnBrk="1" hangingPunct="1"/>
                   <a:r>
-                    <a:rPr lang="en-US" dirty="0" smtClean="0"/>
+                    <a:rPr lang="en-US" dirty="0"/>
                     <a:t>{A}</a:t>
                   </a:r>
-                  <a:endParaRPr lang="en-US" dirty="0"/>
                 </a:p>
               </p:txBody>
             </p:sp>
@@ -32363,10 +31975,9 @@
                 <a:p>
                   <a:pPr algn="ctr" eaLnBrk="1" hangingPunct="1"/>
                   <a:r>
-                    <a:rPr lang="en-US" dirty="0" smtClean="0"/>
+                    <a:rPr lang="en-US" dirty="0"/>
                     <a:t>100</a:t>
                   </a:r>
-                  <a:endParaRPr lang="en-US" dirty="0"/>
                 </a:p>
               </p:txBody>
             </p:sp>
@@ -32450,10 +32061,9 @@
                 <a:p>
                   <a:pPr algn="ctr" eaLnBrk="1" hangingPunct="1"/>
                   <a:r>
-                    <a:rPr lang="en-US" dirty="0" smtClean="0"/>
+                    <a:rPr lang="en-US" dirty="0"/>
                     <a:t>state</a:t>
                   </a:r>
-                  <a:endParaRPr lang="en-US" dirty="0"/>
                 </a:p>
               </p:txBody>
             </p:sp>
@@ -32493,10 +32103,9 @@
                 <a:p>
                   <a:pPr algn="ctr" eaLnBrk="1" hangingPunct="1"/>
                   <a:r>
-                    <a:rPr lang="en-US" dirty="0" smtClean="0"/>
+                    <a:rPr lang="en-US" dirty="0"/>
                     <a:t>input</a:t>
                   </a:r>
-                  <a:endParaRPr lang="en-US" dirty="0"/>
                 </a:p>
               </p:txBody>
             </p:sp>
@@ -32580,10 +32189,9 @@
                 <a:p>
                   <a:pPr algn="ctr" eaLnBrk="1" hangingPunct="1"/>
                   <a:r>
-                    <a:rPr lang="en-US" dirty="0" smtClean="0"/>
+                    <a:rPr lang="en-US" dirty="0"/>
                     <a:t>100</a:t>
                   </a:r>
-                  <a:endParaRPr lang="en-US" dirty="0"/>
                 </a:p>
               </p:txBody>
             </p:sp>
@@ -32623,10 +32231,9 @@
                 <a:p>
                   <a:pPr algn="ctr" eaLnBrk="1" hangingPunct="1"/>
                   <a:r>
-                    <a:rPr lang="en-US" dirty="0" smtClean="0"/>
+                    <a:rPr lang="en-US" dirty="0"/>
                     <a:t>{A,B}</a:t>
                   </a:r>
-                  <a:endParaRPr lang="en-US" dirty="0"/>
                 </a:p>
               </p:txBody>
             </p:sp>
@@ -32710,10 +32317,9 @@
                 <a:p>
                   <a:pPr algn="ctr" eaLnBrk="1" hangingPunct="1"/>
                   <a:r>
-                    <a:rPr lang="en-US" dirty="0" smtClean="0"/>
+                    <a:rPr lang="en-US" dirty="0"/>
                     <a:t>100</a:t>
                   </a:r>
-                  <a:endParaRPr lang="en-US" dirty="0"/>
                 </a:p>
               </p:txBody>
             </p:sp>
@@ -32754,13 +32360,8 @@
                   <a:pPr algn="ctr" eaLnBrk="1" hangingPunct="1"/>
                   <a:r>
                     <a:rPr lang="en-US" dirty="0"/>
-                    <a:t>{</a:t>
+                    <a:t>{A,B,C}</a:t>
                   </a:r>
-                  <a:r>
-                    <a:rPr lang="en-US" dirty="0" smtClean="0"/>
-                    <a:t>A,B,C}</a:t>
-                  </a:r>
-                  <a:endParaRPr lang="en-US" dirty="0"/>
                 </a:p>
               </p:txBody>
             </p:sp>
@@ -32818,18 +32419,13 @@
           <a:lstStyle/>
           <a:p>
             <a:r>
-              <a:rPr lang="en-CA" dirty="0" smtClean="0">
+              <a:rPr lang="en-CA" dirty="0">
                 <a:solidFill>
                   <a:srgbClr val="FF0000"/>
                 </a:solidFill>
               </a:rPr>
               <a:t>|S|=N       No. of states</a:t>
             </a:r>
-            <a:endParaRPr lang="en-CA" dirty="0">
-              <a:solidFill>
-                <a:srgbClr val="FF0000"/>
-              </a:solidFill>
-            </a:endParaRPr>
           </a:p>
         </p:txBody>
       </p:sp>
@@ -32855,7 +32451,7 @@
           <a:lstStyle/>
           <a:p>
             <a:r>
-              <a:rPr lang="en-CA" dirty="0" smtClean="0">
+              <a:rPr lang="en-CA" dirty="0">
                 <a:solidFill>
                   <a:srgbClr val="FF0000"/>
                 </a:solidFill>
@@ -32863,7 +32459,7 @@
               <a:t>|</a:t>
             </a:r>
             <a:r>
-              <a:rPr lang="en-CA" b="1" dirty="0" smtClean="0">
+              <a:rPr lang="en-CA" b="1" dirty="0">
                 <a:solidFill>
                   <a:srgbClr val="FF0000"/>
                 </a:solidFill>
@@ -32871,18 +32467,13 @@
               <a:t>s</a:t>
             </a:r>
             <a:r>
-              <a:rPr lang="en-CA" dirty="0" smtClean="0">
+              <a:rPr lang="en-CA" dirty="0">
                 <a:solidFill>
                   <a:srgbClr val="FF0000"/>
                 </a:solidFill>
               </a:rPr>
               <a:t>|</a:t>
             </a:r>
-            <a:endParaRPr lang="en-CA" dirty="0">
-              <a:solidFill>
-                <a:srgbClr val="FF0000"/>
-              </a:solidFill>
-            </a:endParaRPr>
           </a:p>
         </p:txBody>
       </p:sp>
@@ -32909,8 +32500,9 @@
               </a:bodyPr>
               <a:lstStyle/>
               <a:p>
+                <a:pPr/>
                 <a14:m>
-                  <m:oMathPara xmlns="" xmlns:m="http://schemas.openxmlformats.org/officeDocument/2006/math">
+                  <m:oMathPara xmlns:m="http://schemas.openxmlformats.org/officeDocument/2006/math">
                     <m:oMathParaPr>
                       <m:jc m:val="centerGroup"/>
                     </m:oMathParaPr>
@@ -32922,7 +32514,7 @@
                               <a:solidFill>
                                 <a:srgbClr val="FF0000"/>
                               </a:solidFill>
-                              <a:latin typeface="Cambria Math"/>
+                              <a:latin typeface="Cambria Math" panose="02040503050406030204" pitchFamily="18" charset="0"/>
                             </a:rPr>
                           </m:ctrlPr>
                         </m:sSupPr>
@@ -32970,7 +32562,7 @@
                     </m:oMath>
                   </m:oMathPara>
                 </a14:m>
-                <a:endParaRPr lang="en-CA" b="1" dirty="0" smtClean="0">
+                <a:endParaRPr lang="en-CA" b="1" dirty="0">
                   <a:solidFill>
                     <a:srgbClr val="FF0000"/>
                   </a:solidFill>
@@ -32978,18 +32570,13 @@
               </a:p>
               <a:p>
                 <a:r>
-                  <a:rPr lang="en-CA" dirty="0" smtClean="0">
+                  <a:rPr lang="en-CA" dirty="0">
                     <a:solidFill>
                       <a:srgbClr val="FF0000"/>
                     </a:solidFill>
                   </a:rPr>
                   <a:t>Non-empty subsets</a:t>
                 </a:r>
-                <a:endParaRPr lang="en-CA" dirty="0">
-                  <a:solidFill>
-                    <a:srgbClr val="FF0000"/>
-                  </a:solidFill>
-                </a:endParaRPr>
               </a:p>
             </p:txBody>
           </p:sp>
@@ -33055,18 +32642,13 @@
           <a:lstStyle/>
           <a:p>
             <a:r>
-              <a:rPr lang="en-CA" dirty="0" smtClean="0">
+              <a:rPr lang="en-CA" dirty="0">
                 <a:solidFill>
                   <a:srgbClr val="FF0000"/>
                 </a:solidFill>
               </a:rPr>
               <a:t>possible states in each step</a:t>
             </a:r>
-            <a:endParaRPr lang="en-CA" dirty="0">
-              <a:solidFill>
-                <a:srgbClr val="FF0000"/>
-              </a:solidFill>
-            </a:endParaRPr>
           </a:p>
         </p:txBody>
       </p:sp>
@@ -33106,18 +32688,13 @@
             <a:lstStyle/>
             <a:p>
               <a:r>
-                <a:rPr lang="en-CA" b="1" dirty="0" smtClean="0">
+                <a:rPr lang="en-CA" b="1" dirty="0">
                   <a:solidFill>
                     <a:srgbClr val="FF0000"/>
                   </a:solidFill>
                 </a:rPr>
                 <a:t>s</a:t>
               </a:r>
-              <a:endParaRPr lang="en-CA" b="1" dirty="0">
-                <a:solidFill>
-                  <a:srgbClr val="FF0000"/>
-                </a:solidFill>
-              </a:endParaRPr>
             </a:p>
           </p:txBody>
         </p:sp>
@@ -33208,18 +32785,13 @@
           <a:lstStyle/>
           <a:p>
             <a:r>
-              <a:rPr lang="en-CA" dirty="0" smtClean="0">
+              <a:rPr lang="en-CA" dirty="0">
                 <a:solidFill>
                   <a:srgbClr val="FF0000"/>
                 </a:solidFill>
               </a:rPr>
               <a:t>≤ N</a:t>
             </a:r>
-            <a:endParaRPr lang="en-CA" dirty="0">
-              <a:solidFill>
-                <a:srgbClr val="FF0000"/>
-              </a:solidFill>
-            </a:endParaRPr>
           </a:p>
         </p:txBody>
       </p:sp>
@@ -33236,7 +32808,7 @@
   <p:timing>
     <p:tnLst>
       <p:par>
-        <p:cTn xmlns:p14="http://schemas.microsoft.com/office/powerpoint/2010/main" id="1" dur="indefinite" restart="never" nodeType="tmRoot">
+        <p:cTn id="1" dur="indefinite" restart="never" nodeType="tmRoot">
           <p:childTnLst>
             <p:seq concurrent="1" nextAc="seek">
               <p:cTn id="2" dur="indefinite" nodeType="mainSeq">
@@ -33564,7 +33136,7 @@
             <a:fld id="{A0E8CEB3-AE59-B04A-9515-FE8D18AABBB9}" type="datetime1">
               <a:rPr lang="en-US"/>
               <a:pPr/>
-              <a:t>16-06-14</a:t>
+              <a:t>5/29/19</a:t>
             </a:fld>
             <a:endParaRPr lang="en-US" dirty="0"/>
           </a:p>
@@ -33636,29 +33208,29 @@
           <a:bodyPr/>
           <a:lstStyle/>
           <a:p>
-            <a:endParaRPr lang="en-CA" dirty="0" smtClean="0"/>
+            <a:endParaRPr lang="en-CA" dirty="0"/>
           </a:p>
           <a:p>
             <a:r>
-              <a:rPr lang="en-CA" dirty="0" smtClean="0"/>
+              <a:rPr lang="en-CA" dirty="0"/>
               <a:t>states </a:t>
             </a:r>
           </a:p>
           <a:p>
             <a:r>
-              <a:rPr lang="en-CA" dirty="0" smtClean="0"/>
+              <a:rPr lang="en-CA" dirty="0"/>
               <a:t>start</a:t>
             </a:r>
           </a:p>
           <a:p>
             <a:r>
-              <a:rPr lang="en-CA" dirty="0" smtClean="0"/>
+              <a:rPr lang="en-CA" dirty="0"/>
               <a:t>final</a:t>
             </a:r>
           </a:p>
           <a:p>
             <a:r>
-              <a:rPr lang="en-CA" dirty="0" smtClean="0"/>
+              <a:rPr lang="en-CA" dirty="0"/>
               <a:t>transition</a:t>
             </a:r>
           </a:p>
@@ -33687,7 +33259,7 @@
           <a:lstStyle/>
           <a:p>
             <a:r>
-              <a:rPr lang="en-CA" sz="4000" b="1" dirty="0" smtClean="0">
+              <a:rPr lang="en-CA" sz="4000" b="1" dirty="0">
                 <a:solidFill>
                   <a:schemeClr val="accent2"/>
                 </a:solidFill>
@@ -33695,12 +33267,6 @@
               </a:rPr>
               <a:t>NFA</a:t>
             </a:r>
-            <a:endParaRPr lang="en-CA" sz="4000" b="1" dirty="0">
-              <a:solidFill>
-                <a:schemeClr val="accent2"/>
-              </a:solidFill>
-              <a:latin typeface="Candara" panose="020E0502030303020204" pitchFamily="34" charset="0"/>
-            </a:endParaRPr>
           </a:p>
         </p:txBody>
       </p:sp>
@@ -33811,7 +33377,7 @@
               <a:lstStyle/>
               <a:p>
                 <a:r>
-                  <a:rPr lang="en-CA" sz="3200" dirty="0" smtClean="0">
+                  <a:rPr lang="en-CA" sz="3200" dirty="0">
                     <a:solidFill>
                       <a:schemeClr val="accent2"/>
                     </a:solidFill>
@@ -33819,7 +33385,7 @@
                   <a:t>F </a:t>
                 </a:r>
                 <a14:m>
-                  <m:oMath xmlns="" xmlns:m="http://schemas.openxmlformats.org/officeDocument/2006/math">
+                  <m:oMath xmlns:m="http://schemas.openxmlformats.org/officeDocument/2006/math">
                     <m:r>
                       <a:rPr lang="en-CA" sz="3200" i="1">
                         <a:solidFill>
@@ -33906,7 +33472,7 @@
               <a:lstStyle/>
               <a:p>
                 <a14:m>
-                  <m:oMath xmlns="" xmlns:m="http://schemas.openxmlformats.org/officeDocument/2006/math">
+                  <m:oMath xmlns:m="http://schemas.openxmlformats.org/officeDocument/2006/math">
                     <m:r>
                       <a:rPr lang="en-CA" b="1" i="1" smtClean="0">
                         <a:solidFill>
@@ -33924,7 +33490,7 @@
                             <a:solidFill>
                               <a:schemeClr val="accent2"/>
                             </a:solidFill>
-                            <a:latin typeface="Cambria Math"/>
+                            <a:latin typeface="Cambria Math" panose="02040503050406030204" pitchFamily="18" charset="0"/>
                             <a:ea typeface="Cambria Math"/>
                           </a:rPr>
                         </m:ctrlPr>
@@ -33965,7 +33531,7 @@
                   </m:oMath>
                 </a14:m>
                 <a:r>
-                  <a:rPr lang="en-CA" b="1" i="1" dirty="0" smtClean="0">
+                  <a:rPr lang="en-CA" b="1" i="1" dirty="0">
                     <a:solidFill>
                       <a:schemeClr val="accent2"/>
                     </a:solidFill>
@@ -33983,7 +33549,7 @@
                   <a:t> </a:t>
                 </a:r>
                 <a14:m>
-                  <m:oMath xmlns="" xmlns:m="http://schemas.openxmlformats.org/officeDocument/2006/math">
+                  <m:oMath xmlns:m="http://schemas.openxmlformats.org/officeDocument/2006/math">
                     <m:r>
                       <a:rPr lang="en-CA" b="1" i="1" dirty="0" smtClean="0">
                         <a:solidFill>
@@ -33996,7 +33562,7 @@
                     </m:r>
                   </m:oMath>
                 </a14:m>
-                <a:endParaRPr lang="en-CA" b="1" i="1" dirty="0" smtClean="0">
+                <a:endParaRPr lang="en-CA" b="1" i="1" dirty="0">
                   <a:solidFill>
                     <a:schemeClr val="accent2"/>
                   </a:solidFill>
@@ -34068,7 +33634,7 @@
           <a:lstStyle/>
           <a:p>
             <a:r>
-              <a:rPr lang="en-CA" sz="4000" b="1" dirty="0" smtClean="0">
+              <a:rPr lang="en-CA" sz="4000" b="1" dirty="0">
                 <a:solidFill>
                   <a:schemeClr val="accent2"/>
                 </a:solidFill>
@@ -34076,12 +33642,6 @@
               </a:rPr>
               <a:t>DFA</a:t>
             </a:r>
-            <a:endParaRPr lang="en-CA" sz="4000" b="1" dirty="0">
-              <a:solidFill>
-                <a:schemeClr val="accent2"/>
-              </a:solidFill>
-              <a:latin typeface="Candara" panose="020E0502030303020204" pitchFamily="34" charset="0"/>
-            </a:endParaRPr>
           </a:p>
         </p:txBody>
       </p:sp>
@@ -34110,7 +33670,7 @@
               <a:lstStyle/>
               <a:p>
                 <a:r>
-                  <a:rPr lang="en-CA" sz="2800" dirty="0" smtClean="0">
+                  <a:rPr lang="en-CA" sz="2800" dirty="0">
                     <a:solidFill>
                       <a:schemeClr val="accent2"/>
                     </a:solidFill>
@@ -34119,7 +33679,7 @@
                   <a:t>     X </a:t>
                 </a:r>
                 <a14:m>
-                  <m:oMath xmlns="" xmlns:m="http://schemas.openxmlformats.org/officeDocument/2006/math">
+                  <m:oMath xmlns:m="http://schemas.openxmlformats.org/officeDocument/2006/math">
                     <m:r>
                       <a:rPr lang="en-CA" sz="3200" i="1">
                         <a:solidFill>
@@ -34132,7 +33692,7 @@
                   </m:oMath>
                 </a14:m>
                 <a:r>
-                  <a:rPr lang="en-CA" sz="3200" dirty="0" smtClean="0">
+                  <a:rPr lang="en-CA" sz="3200" dirty="0">
                     <a:solidFill>
                       <a:schemeClr val="accent2"/>
                     </a:solidFill>
@@ -34140,12 +33700,6 @@
                   </a:rPr>
                   <a:t> S</a:t>
                 </a:r>
-                <a:endParaRPr lang="en-CA" sz="3200" dirty="0">
-                  <a:solidFill>
-                    <a:schemeClr val="accent2"/>
-                  </a:solidFill>
-                  <a:latin typeface="Candara" panose="020E0502030303020204" pitchFamily="34" charset="0"/>
-                </a:endParaRPr>
               </a:p>
             </p:txBody>
           </p:sp>
@@ -34212,7 +33766,7 @@
           <a:lstStyle/>
           <a:p>
             <a:r>
-              <a:rPr lang="el-GR" sz="2800" dirty="0" smtClean="0">
+              <a:rPr lang="el-GR" sz="2800" dirty="0">
                 <a:solidFill>
                   <a:schemeClr val="accent2"/>
                 </a:solidFill>
@@ -34221,7 +33775,7 @@
               <a:t>ε</a:t>
             </a:r>
             <a:r>
-              <a:rPr lang="en-CA" sz="2800" dirty="0" smtClean="0">
+              <a:rPr lang="en-CA" sz="2800" dirty="0">
                 <a:solidFill>
                   <a:schemeClr val="accent2"/>
                 </a:solidFill>
@@ -34230,7 +33784,7 @@
               <a:t>-closure(q</a:t>
             </a:r>
             <a:r>
-              <a:rPr lang="en-CA" sz="2800" baseline="-25000" dirty="0" smtClean="0">
+              <a:rPr lang="en-CA" sz="2800" baseline="-25000" dirty="0">
                 <a:solidFill>
                   <a:schemeClr val="accent2"/>
                 </a:solidFill>
@@ -34239,7 +33793,7 @@
               <a:t>0</a:t>
             </a:r>
             <a:r>
-              <a:rPr lang="en-CA" sz="2800" dirty="0" smtClean="0">
+              <a:rPr lang="en-CA" sz="2800" dirty="0">
                 <a:solidFill>
                   <a:schemeClr val="accent2"/>
                 </a:solidFill>
@@ -34533,7 +34087,7 @@
               <a:p>
                 <a:pPr algn="ctr" eaLnBrk="1" hangingPunct="1"/>
                 <a:r>
-                  <a:rPr lang="el-GR" dirty="0" smtClean="0"/>
+                  <a:rPr lang="el-GR" dirty="0"/>
                   <a:t>ε</a:t>
                 </a:r>
                 <a:endParaRPr lang="en-US" dirty="0"/>
@@ -34621,7 +34175,7 @@
               <a:p>
                 <a:pPr algn="ctr" eaLnBrk="1" hangingPunct="1"/>
                 <a:r>
-                  <a:rPr lang="el-GR" dirty="0" smtClean="0"/>
+                  <a:rPr lang="el-GR" dirty="0"/>
                   <a:t>ε</a:t>
                 </a:r>
                 <a:endParaRPr lang="en-US" dirty="0"/>
@@ -34665,11 +34219,11 @@
             <a:p>
               <a:pPr algn="ctr" eaLnBrk="1" hangingPunct="1"/>
               <a:r>
-                <a:rPr lang="en-CA" dirty="0" smtClean="0"/>
+                <a:rPr lang="en-CA" dirty="0"/>
                 <a:t>q</a:t>
               </a:r>
               <a:r>
-                <a:rPr lang="en-CA" baseline="-25000" dirty="0" smtClean="0"/>
+                <a:rPr lang="en-CA" baseline="-25000" dirty="0"/>
                 <a:t>0</a:t>
               </a:r>
               <a:endParaRPr lang="en-US" dirty="0"/>
@@ -34685,7 +34239,7 @@
   <p:timing>
     <p:tnLst>
       <p:par>
-        <p:cTn xmlns:p14="http://schemas.microsoft.com/office/powerpoint/2010/main" id="1" dur="indefinite" restart="never" nodeType="tmRoot">
+        <p:cTn id="1" dur="indefinite" restart="never" nodeType="tmRoot">
           <p:childTnLst>
             <p:seq concurrent="1" nextAc="seek">
               <p:cTn id="2" dur="indefinite" nodeType="mainSeq">
@@ -35165,7 +34719,7 @@
             <a:fld id="{A0E8CEB3-AE59-B04A-9515-FE8D18AABBB9}" type="datetime1">
               <a:rPr lang="en-US"/>
               <a:pPr/>
-              <a:t>16-06-14</a:t>
+              <a:t>5/29/19</a:t>
             </a:fld>
             <a:endParaRPr lang="en-US" dirty="0"/>
           </a:p>
@@ -35237,29 +34791,29 @@
           <a:bodyPr/>
           <a:lstStyle/>
           <a:p>
-            <a:endParaRPr lang="en-CA" dirty="0" smtClean="0"/>
+            <a:endParaRPr lang="en-CA" dirty="0"/>
           </a:p>
           <a:p>
             <a:r>
-              <a:rPr lang="en-CA" dirty="0" smtClean="0"/>
+              <a:rPr lang="en-CA" dirty="0"/>
               <a:t>states </a:t>
             </a:r>
           </a:p>
           <a:p>
             <a:r>
-              <a:rPr lang="en-CA" dirty="0" smtClean="0"/>
+              <a:rPr lang="en-CA" dirty="0"/>
               <a:t>start</a:t>
             </a:r>
           </a:p>
           <a:p>
             <a:r>
-              <a:rPr lang="en-CA" dirty="0" smtClean="0"/>
+              <a:rPr lang="en-CA" dirty="0"/>
               <a:t>final</a:t>
             </a:r>
           </a:p>
           <a:p>
             <a:r>
-              <a:rPr lang="en-CA" dirty="0" smtClean="0"/>
+              <a:rPr lang="en-CA" dirty="0"/>
               <a:t>transition</a:t>
             </a:r>
           </a:p>
@@ -35288,7 +34842,7 @@
           <a:lstStyle/>
           <a:p>
             <a:r>
-              <a:rPr lang="en-CA" sz="4000" b="1" dirty="0" smtClean="0">
+              <a:rPr lang="en-CA" sz="4000" b="1" dirty="0">
                 <a:solidFill>
                   <a:schemeClr val="accent2"/>
                 </a:solidFill>
@@ -35296,12 +34850,6 @@
               </a:rPr>
               <a:t>NFA</a:t>
             </a:r>
-            <a:endParaRPr lang="en-CA" sz="4000" b="1" dirty="0">
-              <a:solidFill>
-                <a:schemeClr val="accent2"/>
-              </a:solidFill>
-              <a:latin typeface="Candara" panose="020E0502030303020204" pitchFamily="34" charset="0"/>
-            </a:endParaRPr>
           </a:p>
         </p:txBody>
       </p:sp>
@@ -35412,7 +34960,7 @@
               <a:lstStyle/>
               <a:p>
                 <a:r>
-                  <a:rPr lang="en-CA" sz="3200" dirty="0" smtClean="0">
+                  <a:rPr lang="en-CA" sz="3200" dirty="0">
                     <a:solidFill>
                       <a:schemeClr val="accent2"/>
                     </a:solidFill>
@@ -35420,7 +34968,7 @@
                   <a:t>F </a:t>
                 </a:r>
                 <a14:m>
-                  <m:oMath xmlns="" xmlns:m="http://schemas.openxmlformats.org/officeDocument/2006/math">
+                  <m:oMath xmlns:m="http://schemas.openxmlformats.org/officeDocument/2006/math">
                     <m:r>
                       <a:rPr lang="en-CA" sz="3200" i="1">
                         <a:solidFill>
@@ -35506,7 +35054,7 @@
           <a:lstStyle/>
           <a:p>
             <a:r>
-              <a:rPr lang="en-CA" sz="4000" b="1" dirty="0" smtClean="0">
+              <a:rPr lang="en-CA" sz="4000" b="1" dirty="0">
                 <a:solidFill>
                   <a:schemeClr val="accent2"/>
                 </a:solidFill>
@@ -35514,12 +35062,6 @@
               </a:rPr>
               <a:t>DFA</a:t>
             </a:r>
-            <a:endParaRPr lang="en-CA" sz="4000" b="1" dirty="0">
-              <a:solidFill>
-                <a:schemeClr val="accent2"/>
-              </a:solidFill>
-              <a:latin typeface="Candara" panose="020E0502030303020204" pitchFamily="34" charset="0"/>
-            </a:endParaRPr>
           </a:p>
         </p:txBody>
       </p:sp>
@@ -35548,7 +35090,7 @@
               <a:lstStyle/>
               <a:p>
                 <a:r>
-                  <a:rPr lang="en-CA" sz="2800" dirty="0" smtClean="0">
+                  <a:rPr lang="en-CA" sz="2800" dirty="0">
                     <a:solidFill>
                       <a:schemeClr val="accent2"/>
                     </a:solidFill>
@@ -35557,7 +35099,7 @@
                   <a:t>     X </a:t>
                 </a:r>
                 <a14:m>
-                  <m:oMath xmlns="" xmlns:m="http://schemas.openxmlformats.org/officeDocument/2006/math">
+                  <m:oMath xmlns:m="http://schemas.openxmlformats.org/officeDocument/2006/math">
                     <m:r>
                       <a:rPr lang="en-CA" sz="3200" i="1">
                         <a:solidFill>
@@ -35570,7 +35112,7 @@
                   </m:oMath>
                 </a14:m>
                 <a:r>
-                  <a:rPr lang="en-CA" sz="3200" dirty="0" smtClean="0">
+                  <a:rPr lang="en-CA" sz="3200" dirty="0">
                     <a:solidFill>
                       <a:schemeClr val="accent2"/>
                     </a:solidFill>
@@ -35578,12 +35120,6 @@
                   </a:rPr>
                   <a:t> S</a:t>
                 </a:r>
-                <a:endParaRPr lang="en-CA" sz="3200" dirty="0">
-                  <a:solidFill>
-                    <a:schemeClr val="accent2"/>
-                  </a:solidFill>
-                  <a:latin typeface="Candara" panose="020E0502030303020204" pitchFamily="34" charset="0"/>
-                </a:endParaRPr>
               </a:p>
             </p:txBody>
           </p:sp>
@@ -35650,7 +35186,7 @@
           <a:lstStyle/>
           <a:p>
             <a:r>
-              <a:rPr lang="el-GR" sz="2800" dirty="0" smtClean="0">
+              <a:rPr lang="el-GR" sz="2800" dirty="0">
                 <a:solidFill>
                   <a:schemeClr val="accent2"/>
                 </a:solidFill>
@@ -35659,7 +35195,7 @@
               <a:t>ε</a:t>
             </a:r>
             <a:r>
-              <a:rPr lang="en-CA" sz="2800" dirty="0" smtClean="0">
+              <a:rPr lang="en-CA" sz="2800" dirty="0">
                 <a:solidFill>
                   <a:schemeClr val="accent2"/>
                 </a:solidFill>
@@ -35668,7 +35204,7 @@
               <a:t>-closure(q</a:t>
             </a:r>
             <a:r>
-              <a:rPr lang="en-CA" sz="2800" baseline="-25000" dirty="0" smtClean="0">
+              <a:rPr lang="en-CA" sz="2800" baseline="-25000" dirty="0">
                 <a:solidFill>
                   <a:schemeClr val="accent2"/>
                 </a:solidFill>
@@ -35677,7 +35213,7 @@
               <a:t>0</a:t>
             </a:r>
             <a:r>
-              <a:rPr lang="en-CA" sz="2800" dirty="0" smtClean="0">
+              <a:rPr lang="en-CA" sz="2800" dirty="0">
                 <a:solidFill>
                   <a:schemeClr val="accent2"/>
                 </a:solidFill>
@@ -35719,7 +35255,7 @@
               <a:lstStyle/>
               <a:p>
                 <a:r>
-                  <a:rPr lang="en-CA" sz="2800" dirty="0" smtClean="0">
+                  <a:rPr lang="en-CA" sz="2800" dirty="0">
                     <a:solidFill>
                       <a:schemeClr val="accent2"/>
                     </a:solidFill>
@@ -35728,7 +35264,7 @@
                   <a:t>{X | X</a:t>
                 </a:r>
                 <a14:m>
-                  <m:oMath xmlns="" xmlns:m="http://schemas.openxmlformats.org/officeDocument/2006/math">
+                  <m:oMath xmlns:m="http://schemas.openxmlformats.org/officeDocument/2006/math">
                     <m:r>
                       <a:rPr lang="en-CA" sz="2800" i="1" smtClean="0">
                         <a:solidFill>
@@ -35742,7 +35278,7 @@
                   </m:oMath>
                 </a14:m>
                 <a:r>
-                  <a:rPr lang="en-CA" sz="2800" dirty="0" smtClean="0">
+                  <a:rPr lang="en-CA" sz="2800" dirty="0">
                     <a:solidFill>
                       <a:schemeClr val="accent2"/>
                     </a:solidFill>
@@ -35757,19 +35293,10 @@
                     </a:solidFill>
                     <a:latin typeface="Calibri"/>
                   </a:rPr>
-                  <a:t> </a:t>
+                  <a:t>  ≠  ø</a:t>
                 </a:r>
                 <a:r>
-                  <a:rPr lang="en-CA" sz="2800" dirty="0" smtClean="0">
-                    <a:solidFill>
-                      <a:schemeClr val="accent2"/>
-                    </a:solidFill>
-                    <a:latin typeface="Calibri"/>
-                  </a:rPr>
-                  <a:t> ≠  ø</a:t>
-                </a:r>
-                <a:r>
-                  <a:rPr lang="en-CA" sz="2800" dirty="0" smtClean="0">
+                  <a:rPr lang="en-CA" sz="2800" dirty="0">
                     <a:solidFill>
                       <a:schemeClr val="accent2"/>
                     </a:solidFill>
@@ -36342,10 +35869,9 @@
               <a:p>
                 <a:pPr algn="ctr" eaLnBrk="1" hangingPunct="1"/>
                 <a:r>
-                  <a:rPr lang="en-US" dirty="0" smtClean="0"/>
+                  <a:rPr lang="en-US" dirty="0"/>
                   <a:t>100</a:t>
                 </a:r>
-                <a:endParaRPr lang="en-US" dirty="0"/>
               </a:p>
             </p:txBody>
           </p:sp>
@@ -36385,10 +35911,9 @@
               <a:p>
                 <a:pPr algn="ctr" eaLnBrk="1" hangingPunct="1"/>
                 <a:r>
-                  <a:rPr lang="en-US" dirty="0" smtClean="0"/>
+                  <a:rPr lang="en-US" dirty="0"/>
                   <a:t>{A}</a:t>
                 </a:r>
-                <a:endParaRPr lang="en-US" dirty="0"/>
               </a:p>
             </p:txBody>
           </p:sp>
@@ -36486,10 +36011,9 @@
                 <a:p>
                   <a:pPr algn="ctr" eaLnBrk="1" hangingPunct="1"/>
                   <a:r>
-                    <a:rPr lang="en-US" dirty="0" smtClean="0"/>
+                    <a:rPr lang="en-US" dirty="0"/>
                     <a:t>{A}</a:t>
                   </a:r>
-                  <a:endParaRPr lang="en-US" dirty="0"/>
                 </a:p>
               </p:txBody>
             </p:sp>
@@ -36529,10 +36053,9 @@
                 <a:p>
                   <a:pPr algn="ctr" eaLnBrk="1" hangingPunct="1"/>
                   <a:r>
-                    <a:rPr lang="en-US" dirty="0" smtClean="0"/>
+                    <a:rPr lang="en-US" dirty="0"/>
                     <a:t>100</a:t>
                   </a:r>
-                  <a:endParaRPr lang="en-US" dirty="0"/>
                 </a:p>
               </p:txBody>
             </p:sp>
@@ -36616,10 +36139,9 @@
                 <a:p>
                   <a:pPr algn="ctr" eaLnBrk="1" hangingPunct="1"/>
                   <a:r>
-                    <a:rPr lang="en-US" dirty="0" smtClean="0"/>
+                    <a:rPr lang="en-US" dirty="0"/>
                     <a:t>state</a:t>
                   </a:r>
-                  <a:endParaRPr lang="en-US" dirty="0"/>
                 </a:p>
               </p:txBody>
             </p:sp>
@@ -36659,10 +36181,9 @@
                 <a:p>
                   <a:pPr algn="ctr" eaLnBrk="1" hangingPunct="1"/>
                   <a:r>
-                    <a:rPr lang="en-US" dirty="0" smtClean="0"/>
+                    <a:rPr lang="en-US" dirty="0"/>
                     <a:t>input</a:t>
                   </a:r>
-                  <a:endParaRPr lang="en-US" dirty="0"/>
                 </a:p>
               </p:txBody>
             </p:sp>
@@ -36746,10 +36267,9 @@
                 <a:p>
                   <a:pPr algn="ctr" eaLnBrk="1" hangingPunct="1"/>
                   <a:r>
-                    <a:rPr lang="en-US" dirty="0" smtClean="0"/>
+                    <a:rPr lang="en-US" dirty="0"/>
                     <a:t>100</a:t>
                   </a:r>
-                  <a:endParaRPr lang="en-US" dirty="0"/>
                 </a:p>
               </p:txBody>
             </p:sp>
@@ -36789,10 +36309,9 @@
                 <a:p>
                   <a:pPr algn="ctr" eaLnBrk="1" hangingPunct="1"/>
                   <a:r>
-                    <a:rPr lang="en-US" dirty="0" smtClean="0"/>
+                    <a:rPr lang="en-US" dirty="0"/>
                     <a:t>{A,B}</a:t>
                   </a:r>
-                  <a:endParaRPr lang="en-US" dirty="0"/>
                 </a:p>
               </p:txBody>
             </p:sp>
@@ -36876,10 +36395,9 @@
                 <a:p>
                   <a:pPr algn="ctr" eaLnBrk="1" hangingPunct="1"/>
                   <a:r>
-                    <a:rPr lang="en-US" dirty="0" smtClean="0"/>
+                    <a:rPr lang="en-US" dirty="0"/>
                     <a:t>100</a:t>
                   </a:r>
-                  <a:endParaRPr lang="en-US" dirty="0"/>
                 </a:p>
               </p:txBody>
             </p:sp>
@@ -36920,14 +36438,10 @@
                   <a:pPr algn="ctr" eaLnBrk="1" hangingPunct="1"/>
                   <a:r>
                     <a:rPr lang="en-US" dirty="0"/>
-                    <a:t>{</a:t>
+                    <a:t>{A,B,</a:t>
                   </a:r>
                   <a:r>
-                    <a:rPr lang="en-US" dirty="0" smtClean="0"/>
-                    <a:t>A,B,</a:t>
-                  </a:r>
-                  <a:r>
-                    <a:rPr lang="en-US" sz="2800" b="1" dirty="0" smtClean="0">
+                    <a:rPr lang="en-US" sz="2800" b="1" dirty="0">
                       <a:solidFill>
                         <a:srgbClr val="008000"/>
                       </a:solidFill>
@@ -36935,10 +36449,9 @@
                     <a:t>C</a:t>
                   </a:r>
                   <a:r>
-                    <a:rPr lang="en-US" dirty="0" smtClean="0"/>
+                    <a:rPr lang="en-US" dirty="0"/>
                     <a:t>}</a:t>
                   </a:r>
-                  <a:endParaRPr lang="en-US" dirty="0"/>
                 </a:p>
               </p:txBody>
             </p:sp>
@@ -36998,7 +36511,7 @@
               <a:lstStyle/>
               <a:p>
                 <a14:m>
-                  <m:oMath xmlns="" xmlns:m="http://schemas.openxmlformats.org/officeDocument/2006/math">
+                  <m:oMath xmlns:m="http://schemas.openxmlformats.org/officeDocument/2006/math">
                     <m:r>
                       <a:rPr lang="en-CA" b="1" i="1" smtClean="0">
                         <a:solidFill>
@@ -37016,7 +36529,7 @@
                             <a:solidFill>
                               <a:schemeClr val="accent2"/>
                             </a:solidFill>
-                            <a:latin typeface="Cambria Math"/>
+                            <a:latin typeface="Cambria Math" panose="02040503050406030204" pitchFamily="18" charset="0"/>
                             <a:ea typeface="Cambria Math"/>
                           </a:rPr>
                         </m:ctrlPr>
@@ -37057,7 +36570,7 @@
                   </m:oMath>
                 </a14:m>
                 <a:r>
-                  <a:rPr lang="en-CA" b="1" i="1" dirty="0" smtClean="0">
+                  <a:rPr lang="en-CA" b="1" i="1" dirty="0">
                     <a:solidFill>
                       <a:schemeClr val="accent2"/>
                     </a:solidFill>
@@ -37075,7 +36588,7 @@
                   <a:t> </a:t>
                 </a:r>
                 <a14:m>
-                  <m:oMath xmlns="" xmlns:m="http://schemas.openxmlformats.org/officeDocument/2006/math">
+                  <m:oMath xmlns:m="http://schemas.openxmlformats.org/officeDocument/2006/math">
                     <m:r>
                       <a:rPr lang="en-CA" b="1" i="1" dirty="0" smtClean="0">
                         <a:solidFill>
@@ -37088,7 +36601,7 @@
                     </m:r>
                   </m:oMath>
                 </a14:m>
-                <a:endParaRPr lang="en-CA" b="1" i="1" dirty="0" smtClean="0">
+                <a:endParaRPr lang="en-CA" b="1" i="1" dirty="0">
                   <a:solidFill>
                     <a:schemeClr val="accent2"/>
                   </a:solidFill>
@@ -37150,7 +36663,7 @@
   <p:timing>
     <p:tnLst>
       <p:par>
-        <p:cTn xmlns:p14="http://schemas.microsoft.com/office/powerpoint/2010/main" id="1" dur="indefinite" restart="never" nodeType="tmRoot">
+        <p:cTn id="1" dur="indefinite" restart="never" nodeType="tmRoot">
           <p:childTnLst>
             <p:seq concurrent="1" nextAc="seek">
               <p:cTn id="2" dur="indefinite" nodeType="mainSeq">
@@ -37335,7 +36848,7 @@
             <a:fld id="{A0E8CEB3-AE59-B04A-9515-FE8D18AABBB9}" type="datetime1">
               <a:rPr lang="en-US"/>
               <a:pPr/>
-              <a:t>16-06-14</a:t>
+              <a:t>5/29/19</a:t>
             </a:fld>
             <a:endParaRPr lang="en-US" dirty="0"/>
           </a:p>
@@ -37407,29 +36920,29 @@
           <a:bodyPr/>
           <a:lstStyle/>
           <a:p>
-            <a:endParaRPr lang="en-CA" dirty="0" smtClean="0"/>
+            <a:endParaRPr lang="en-CA" dirty="0"/>
           </a:p>
           <a:p>
             <a:r>
-              <a:rPr lang="en-CA" dirty="0" smtClean="0"/>
+              <a:rPr lang="en-CA" dirty="0"/>
               <a:t>states </a:t>
             </a:r>
           </a:p>
           <a:p>
             <a:r>
-              <a:rPr lang="en-CA" dirty="0" smtClean="0"/>
+              <a:rPr lang="en-CA" dirty="0"/>
               <a:t>start</a:t>
             </a:r>
           </a:p>
           <a:p>
             <a:r>
-              <a:rPr lang="en-CA" dirty="0" smtClean="0"/>
+              <a:rPr lang="en-CA" dirty="0"/>
               <a:t>final</a:t>
             </a:r>
           </a:p>
           <a:p>
             <a:r>
-              <a:rPr lang="en-CA" dirty="0" smtClean="0"/>
+              <a:rPr lang="en-CA" dirty="0"/>
               <a:t>transition</a:t>
             </a:r>
           </a:p>
@@ -37458,7 +36971,7 @@
           <a:lstStyle/>
           <a:p>
             <a:r>
-              <a:rPr lang="en-CA" sz="4000" b="1" dirty="0" smtClean="0">
+              <a:rPr lang="en-CA" sz="4000" b="1" dirty="0">
                 <a:solidFill>
                   <a:schemeClr val="accent2"/>
                 </a:solidFill>
@@ -37466,12 +36979,6 @@
               </a:rPr>
               <a:t>NFA</a:t>
             </a:r>
-            <a:endParaRPr lang="en-CA" sz="4000" b="1" dirty="0">
-              <a:solidFill>
-                <a:schemeClr val="accent2"/>
-              </a:solidFill>
-              <a:latin typeface="Candara" panose="020E0502030303020204" pitchFamily="34" charset="0"/>
-            </a:endParaRPr>
           </a:p>
         </p:txBody>
       </p:sp>
@@ -37582,7 +37089,7 @@
               <a:lstStyle/>
               <a:p>
                 <a:r>
-                  <a:rPr lang="en-CA" sz="3200" dirty="0" smtClean="0">
+                  <a:rPr lang="en-CA" sz="3200" dirty="0">
                     <a:solidFill>
                       <a:schemeClr val="accent2"/>
                     </a:solidFill>
@@ -37590,7 +37097,7 @@
                   <a:t>F </a:t>
                 </a:r>
                 <a14:m>
-                  <m:oMath xmlns="" xmlns:m="http://schemas.openxmlformats.org/officeDocument/2006/math">
+                  <m:oMath xmlns:m="http://schemas.openxmlformats.org/officeDocument/2006/math">
                     <m:r>
                       <a:rPr lang="en-CA" sz="3200" i="1">
                         <a:solidFill>
@@ -37676,7 +37183,7 @@
           <a:lstStyle/>
           <a:p>
             <a:r>
-              <a:rPr lang="en-CA" sz="4000" b="1" dirty="0" smtClean="0">
+              <a:rPr lang="en-CA" sz="4000" b="1" dirty="0">
                 <a:solidFill>
                   <a:schemeClr val="accent2"/>
                 </a:solidFill>
@@ -37684,12 +37191,6 @@
               </a:rPr>
               <a:t>DFA</a:t>
             </a:r>
-            <a:endParaRPr lang="en-CA" sz="4000" b="1" dirty="0">
-              <a:solidFill>
-                <a:schemeClr val="accent2"/>
-              </a:solidFill>
-              <a:latin typeface="Candara" panose="020E0502030303020204" pitchFamily="34" charset="0"/>
-            </a:endParaRPr>
           </a:p>
         </p:txBody>
       </p:sp>
@@ -37718,7 +37219,7 @@
               <a:lstStyle/>
               <a:p>
                 <a:r>
-                  <a:rPr lang="en-CA" sz="2800" dirty="0" smtClean="0">
+                  <a:rPr lang="en-CA" sz="2800" dirty="0">
                     <a:solidFill>
                       <a:schemeClr val="accent2"/>
                     </a:solidFill>
@@ -37727,7 +37228,7 @@
                   <a:t>     X </a:t>
                 </a:r>
                 <a14:m>
-                  <m:oMath xmlns="" xmlns:m="http://schemas.openxmlformats.org/officeDocument/2006/math">
+                  <m:oMath xmlns:m="http://schemas.openxmlformats.org/officeDocument/2006/math">
                     <m:r>
                       <a:rPr lang="en-CA" sz="3200" i="1">
                         <a:solidFill>
@@ -37740,7 +37241,7 @@
                   </m:oMath>
                 </a14:m>
                 <a:r>
-                  <a:rPr lang="en-CA" sz="3200" dirty="0" smtClean="0">
+                  <a:rPr lang="en-CA" sz="3200" dirty="0">
                     <a:solidFill>
                       <a:schemeClr val="accent2"/>
                     </a:solidFill>
@@ -37748,12 +37249,6 @@
                   </a:rPr>
                   <a:t> S</a:t>
                 </a:r>
-                <a:endParaRPr lang="en-CA" sz="3200" dirty="0">
-                  <a:solidFill>
-                    <a:schemeClr val="accent2"/>
-                  </a:solidFill>
-                  <a:latin typeface="Candara" panose="020E0502030303020204" pitchFamily="34" charset="0"/>
-                </a:endParaRPr>
               </a:p>
             </p:txBody>
           </p:sp>
@@ -37820,7 +37315,7 @@
           <a:lstStyle/>
           <a:p>
             <a:r>
-              <a:rPr lang="el-GR" sz="2800" dirty="0" smtClean="0">
+              <a:rPr lang="el-GR" sz="2800" dirty="0">
                 <a:solidFill>
                   <a:schemeClr val="accent2"/>
                 </a:solidFill>
@@ -37829,7 +37324,7 @@
               <a:t>ε</a:t>
             </a:r>
             <a:r>
-              <a:rPr lang="en-CA" sz="2800" dirty="0" smtClean="0">
+              <a:rPr lang="en-CA" sz="2800" dirty="0">
                 <a:solidFill>
                   <a:schemeClr val="accent2"/>
                 </a:solidFill>
@@ -37838,7 +37333,7 @@
               <a:t>-closure(q</a:t>
             </a:r>
             <a:r>
-              <a:rPr lang="en-CA" sz="2800" baseline="-25000" dirty="0" smtClean="0">
+              <a:rPr lang="en-CA" sz="2800" baseline="-25000" dirty="0">
                 <a:solidFill>
                   <a:schemeClr val="accent2"/>
                 </a:solidFill>
@@ -37847,7 +37342,7 @@
               <a:t>0</a:t>
             </a:r>
             <a:r>
-              <a:rPr lang="en-CA" sz="2800" dirty="0" smtClean="0">
+              <a:rPr lang="en-CA" sz="2800" dirty="0">
                 <a:solidFill>
                   <a:schemeClr val="accent2"/>
                 </a:solidFill>
@@ -37889,7 +37384,7 @@
               <a:lstStyle/>
               <a:p>
                 <a:r>
-                  <a:rPr lang="en-CA" sz="2800" dirty="0" smtClean="0">
+                  <a:rPr lang="en-CA" sz="2800" dirty="0">
                     <a:solidFill>
                       <a:schemeClr val="accent2"/>
                     </a:solidFill>
@@ -37898,7 +37393,7 @@
                   <a:t>{X | X</a:t>
                 </a:r>
                 <a14:m>
-                  <m:oMath xmlns="" xmlns:m="http://schemas.openxmlformats.org/officeDocument/2006/math">
+                  <m:oMath xmlns:m="http://schemas.openxmlformats.org/officeDocument/2006/math">
                     <m:r>
                       <a:rPr lang="en-CA" sz="2800" i="1" smtClean="0">
                         <a:solidFill>
@@ -37912,7 +37407,7 @@
                   </m:oMath>
                 </a14:m>
                 <a:r>
-                  <a:rPr lang="en-CA" sz="2800" dirty="0" smtClean="0">
+                  <a:rPr lang="en-CA" sz="2800" dirty="0">
                     <a:solidFill>
                       <a:schemeClr val="accent2"/>
                     </a:solidFill>
@@ -37927,19 +37422,10 @@
                     </a:solidFill>
                     <a:latin typeface="Calibri"/>
                   </a:rPr>
-                  <a:t> </a:t>
+                  <a:t>  ≠  ø</a:t>
                 </a:r>
                 <a:r>
-                  <a:rPr lang="en-CA" sz="2800" dirty="0" smtClean="0">
-                    <a:solidFill>
-                      <a:schemeClr val="accent2"/>
-                    </a:solidFill>
-                    <a:latin typeface="Calibri"/>
-                  </a:rPr>
-                  <a:t> ≠  ø</a:t>
-                </a:r>
-                <a:r>
-                  <a:rPr lang="en-CA" sz="2800" dirty="0" smtClean="0">
+                  <a:rPr lang="en-CA" sz="2800" dirty="0">
                     <a:solidFill>
                       <a:schemeClr val="accent2"/>
                     </a:solidFill>
@@ -38021,7 +37507,7 @@
               <a:lstStyle/>
               <a:p>
                 <a14:m>
-                  <m:oMath xmlns="" xmlns:m="http://schemas.openxmlformats.org/officeDocument/2006/math">
+                  <m:oMath xmlns:m="http://schemas.openxmlformats.org/officeDocument/2006/math">
                     <m:r>
                       <a:rPr lang="en-CA" b="1" i="1" smtClean="0">
                         <a:solidFill>
@@ -38039,7 +37525,7 @@
                             <a:solidFill>
                               <a:schemeClr val="accent2"/>
                             </a:solidFill>
-                            <a:latin typeface="Cambria Math"/>
+                            <a:latin typeface="Cambria Math" panose="02040503050406030204" pitchFamily="18" charset="0"/>
                             <a:ea typeface="Cambria Math"/>
                           </a:rPr>
                         </m:ctrlPr>
@@ -38080,7 +37566,7 @@
                   </m:oMath>
                 </a14:m>
                 <a:r>
-                  <a:rPr lang="en-CA" sz="2800" dirty="0" smtClean="0">
+                  <a:rPr lang="en-CA" sz="2800" dirty="0">
                     <a:solidFill>
                       <a:schemeClr val="accent2"/>
                     </a:solidFill>
@@ -38186,7 +37672,7 @@
                   <a:t>-closure(</a:t>
                 </a:r>
                 <a14:m>
-                  <m:oMath xmlns="" xmlns:m="http://schemas.openxmlformats.org/officeDocument/2006/math">
+                  <m:oMath xmlns:m="http://schemas.openxmlformats.org/officeDocument/2006/math">
                     <m:r>
                       <a:rPr lang="en-CA" b="1" i="1">
                         <a:solidFill>
@@ -38204,7 +37690,7 @@
                             <a:solidFill>
                               <a:schemeClr val="accent2"/>
                             </a:solidFill>
-                            <a:latin typeface="Cambria Math"/>
+                            <a:latin typeface="Cambria Math" panose="02040503050406030204" pitchFamily="18" charset="0"/>
                             <a:ea typeface="Cambria Math"/>
                           </a:rPr>
                         </m:ctrlPr>
@@ -38325,7 +37811,7 @@
               <a:lstStyle/>
               <a:p>
                 <a:r>
-                  <a:rPr lang="en-CA" b="1" dirty="0" smtClean="0">
+                  <a:rPr lang="en-CA" b="1" dirty="0">
                     <a:solidFill>
                       <a:schemeClr val="accent2"/>
                     </a:solidFill>
@@ -38333,7 +37819,7 @@
                   <a:t> </a:t>
                 </a:r>
                 <a14:m>
-                  <m:oMath xmlns="" xmlns:m="http://schemas.openxmlformats.org/officeDocument/2006/math">
+                  <m:oMath xmlns:m="http://schemas.openxmlformats.org/officeDocument/2006/math">
                     <m:nary>
                       <m:naryPr>
                         <m:chr m:val="⋃"/>
@@ -38344,7 +37830,7 @@
                             <a:solidFill>
                               <a:schemeClr val="accent2"/>
                             </a:solidFill>
-                            <a:latin typeface="Cambria Math"/>
+                            <a:latin typeface="Cambria Math" panose="02040503050406030204" pitchFamily="18" charset="0"/>
                           </a:rPr>
                         </m:ctrlPr>
                       </m:naryPr>
@@ -38401,7 +37887,7 @@
                                 <a:solidFill>
                                   <a:schemeClr val="accent2"/>
                                 </a:solidFill>
-                                <a:latin typeface="Cambria Math"/>
+                                <a:latin typeface="Cambria Math" panose="02040503050406030204" pitchFamily="18" charset="0"/>
                                 <a:ea typeface="Cambria Math"/>
                               </a:rPr>
                             </m:ctrlPr>
@@ -38616,7 +38102,7 @@
             <a:p>
               <a:pPr algn="ctr" eaLnBrk="1" hangingPunct="1"/>
               <a:r>
-                <a:rPr lang="el-GR" dirty="0" smtClean="0"/>
+                <a:rPr lang="el-GR" dirty="0"/>
                 <a:t>ε</a:t>
               </a:r>
               <a:endParaRPr lang="en-US" dirty="0"/>
@@ -38852,7 +38338,7 @@
                 <a:p>
                   <a:pPr algn="ctr" eaLnBrk="1" hangingPunct="1"/>
                   <a:r>
-                    <a:rPr lang="en-CA" dirty="0" smtClean="0">
+                    <a:rPr lang="en-CA" dirty="0">
                       <a:solidFill>
                         <a:srgbClr val="FF0000"/>
                       </a:solidFill>
@@ -38948,7 +38434,7 @@
                 <a:p>
                   <a:pPr algn="ctr" eaLnBrk="1" hangingPunct="1"/>
                   <a:r>
-                    <a:rPr lang="en-CA" dirty="0" smtClean="0"/>
+                    <a:rPr lang="en-CA" dirty="0"/>
                     <a:t>a</a:t>
                   </a:r>
                   <a:endParaRPr lang="en-US" dirty="0"/>
@@ -39175,7 +38661,7 @@
               <a:p>
                 <a:pPr algn="ctr" eaLnBrk="1" hangingPunct="1"/>
                 <a:r>
-                  <a:rPr lang="en-CA" dirty="0" smtClean="0"/>
+                  <a:rPr lang="en-CA" dirty="0"/>
                   <a:t>a</a:t>
                 </a:r>
                 <a:endParaRPr lang="en-US" dirty="0"/>
@@ -39219,7 +38705,7 @@
             <a:p>
               <a:pPr algn="ctr" eaLnBrk="1" hangingPunct="1"/>
               <a:r>
-                <a:rPr lang="en-CA" dirty="0" smtClean="0"/>
+                <a:rPr lang="en-CA" dirty="0"/>
                 <a:t>a</a:t>
               </a:r>
               <a:endParaRPr lang="en-US" dirty="0"/>
@@ -39252,7 +38738,7 @@
               <a:lstStyle/>
               <a:p>
                 <a:r>
-                  <a:rPr lang="en-CA" b="1" dirty="0" smtClean="0">
+                  <a:rPr lang="en-CA" b="1" dirty="0">
                     <a:solidFill>
                       <a:schemeClr val="accent2"/>
                     </a:solidFill>
@@ -39261,7 +38747,7 @@
                   <a:t>DFAedge(X,a)=</a:t>
                 </a:r>
                 <a14:m>
-                  <m:oMath xmlns="" xmlns:m="http://schemas.openxmlformats.org/officeDocument/2006/math">
+                  <m:oMath xmlns:m="http://schemas.openxmlformats.org/officeDocument/2006/math">
                     <m:r>
                       <m:rPr>
                         <m:nor/>
@@ -39316,7 +38802,7 @@
                             <a:solidFill>
                               <a:schemeClr val="accent2"/>
                             </a:solidFill>
-                            <a:latin typeface="Cambria Math"/>
+                            <a:latin typeface="Cambria Math" panose="02040503050406030204" pitchFamily="18" charset="0"/>
                           </a:rPr>
                         </m:ctrlPr>
                       </m:naryPr>
@@ -39373,7 +38859,7 @@
                                 <a:solidFill>
                                   <a:schemeClr val="accent2"/>
                                 </a:solidFill>
-                                <a:latin typeface="Cambria Math"/>
+                                <a:latin typeface="Cambria Math" panose="02040503050406030204" pitchFamily="18" charset="0"/>
                                 <a:ea typeface="Cambria Math"/>
                               </a:rPr>
                             </m:ctrlPr>
@@ -39498,7 +38984,7 @@
               <a:lstStyle/>
               <a:p>
                 <a14:m>
-                  <m:oMath xmlns="" xmlns:m="http://schemas.openxmlformats.org/officeDocument/2006/math">
+                  <m:oMath xmlns:m="http://schemas.openxmlformats.org/officeDocument/2006/math">
                     <m:r>
                       <a:rPr lang="en-CA" b="1" i="1" smtClean="0">
                         <a:solidFill>
@@ -39516,7 +39002,7 @@
                             <a:solidFill>
                               <a:schemeClr val="accent2"/>
                             </a:solidFill>
-                            <a:latin typeface="Cambria Math"/>
+                            <a:latin typeface="Cambria Math" panose="02040503050406030204" pitchFamily="18" charset="0"/>
                             <a:ea typeface="Cambria Math"/>
                           </a:rPr>
                         </m:ctrlPr>
@@ -39557,7 +39043,7 @@
                   </m:oMath>
                 </a14:m>
                 <a:r>
-                  <a:rPr lang="en-CA" b="1" i="1" dirty="0" smtClean="0">
+                  <a:rPr lang="en-CA" b="1" i="1" dirty="0">
                     <a:solidFill>
                       <a:schemeClr val="accent2"/>
                     </a:solidFill>
@@ -39575,7 +39061,7 @@
                   <a:t> </a:t>
                 </a:r>
                 <a14:m>
-                  <m:oMath xmlns="" xmlns:m="http://schemas.openxmlformats.org/officeDocument/2006/math">
+                  <m:oMath xmlns:m="http://schemas.openxmlformats.org/officeDocument/2006/math">
                     <m:r>
                       <a:rPr lang="en-CA" b="1" i="1" dirty="0" smtClean="0">
                         <a:solidFill>
@@ -39588,7 +39074,7 @@
                     </m:r>
                   </m:oMath>
                 </a14:m>
-                <a:endParaRPr lang="en-CA" b="1" i="1" dirty="0" smtClean="0">
+                <a:endParaRPr lang="en-CA" b="1" i="1" dirty="0">
                   <a:solidFill>
                     <a:schemeClr val="accent2"/>
                   </a:solidFill>
@@ -39650,7 +39136,7 @@
   <p:timing>
     <p:tnLst>
       <p:par>
-        <p:cTn xmlns:p14="http://schemas.microsoft.com/office/powerpoint/2010/main" id="1" dur="indefinite" restart="never" nodeType="tmRoot">
+        <p:cTn id="1" dur="indefinite" restart="never" nodeType="tmRoot">
           <p:childTnLst>
             <p:seq concurrent="1" nextAc="seek">
               <p:cTn id="2" dur="indefinite" nodeType="mainSeq">
@@ -39945,7 +39431,7 @@
             <a:fld id="{A20ADD3C-9DCC-AC4F-968F-C8AB1FF45FE5}" type="datetime1">
               <a:rPr lang="en-US"/>
               <a:pPr/>
-              <a:t>16-06-14</a:t>
+              <a:t>5/29/19</a:t>
             </a:fld>
             <a:endParaRPr lang="en-US"/>
           </a:p>
@@ -39991,14 +39477,11 @@
           <a:lstStyle/>
           <a:p>
             <a:r>
-              <a:rPr lang="en-US" dirty="0" smtClean="0">
+              <a:rPr lang="en-US" dirty="0">
                 <a:sym typeface="Symbol" charset="2"/>
               </a:rPr>
               <a:t>DFA construction</a:t>
             </a:r>
-            <a:endParaRPr lang="en-US" dirty="0">
-              <a:sym typeface="Symbol" charset="2"/>
-            </a:endParaRPr>
           </a:p>
         </p:txBody>
       </p:sp>
@@ -40025,31 +39508,31 @@
               <a:buNone/>
             </a:pPr>
             <a:r>
-              <a:rPr lang="en-US" sz="2800" dirty="0" smtClean="0">
+              <a:rPr lang="en-US" sz="2800" dirty="0">
                 <a:sym typeface="Symbol" charset="2"/>
               </a:rPr>
               <a:t>    </a:t>
             </a:r>
             <a:r>
-              <a:rPr lang="en-US" sz="2800" dirty="0" err="1" smtClean="0">
+              <a:rPr lang="en-US" sz="2800" dirty="0" err="1">
                 <a:sym typeface="Symbol" charset="2"/>
               </a:rPr>
               <a:t>Dstates</a:t>
             </a:r>
             <a:r>
-              <a:rPr lang="en-US" sz="2800" dirty="0" smtClean="0">
+              <a:rPr lang="en-US" sz="2800" dirty="0">
                 <a:sym typeface="Symbol" charset="2"/>
               </a:rPr>
               <a:t> = {}, </a:t>
             </a:r>
             <a:r>
-              <a:rPr lang="en-US" sz="2800" dirty="0" err="1" smtClean="0">
+              <a:rPr lang="en-US" sz="2800" dirty="0" err="1">
                 <a:sym typeface="Symbol" charset="2"/>
               </a:rPr>
               <a:t>Dtrans</a:t>
             </a:r>
             <a:r>
-              <a:rPr lang="en-US" sz="2800" dirty="0" smtClean="0">
+              <a:rPr lang="en-US" sz="2800" dirty="0">
                 <a:sym typeface="Symbol" charset="2"/>
               </a:rPr>
               <a:t> = []   </a:t>
@@ -40067,19 +39550,7 @@
               <a:rPr lang="en-US" sz="2800" dirty="0">
                 <a:sym typeface="Symbol" charset="2"/>
               </a:rPr>
-              <a:t> </a:t>
-            </a:r>
-            <a:r>
-              <a:rPr lang="en-US" sz="2800" dirty="0" smtClean="0">
-                <a:sym typeface="Symbol" charset="2"/>
-              </a:rPr>
-              <a:t>   </a:t>
-            </a:r>
-            <a:r>
-              <a:rPr lang="en-US" sz="2800" dirty="0">
-                <a:sym typeface="Symbol" charset="2"/>
-              </a:rPr>
-              <a:t>add </a:t>
+              <a:t>    add </a:t>
             </a:r>
             <a:r>
               <a:rPr lang="en-US" sz="2800" i="1" dirty="0">
@@ -40171,16 +39642,10 @@
               <a:t> </a:t>
             </a:r>
             <a:r>
-              <a:rPr lang="en-US" sz="2800" b="1" dirty="0" smtClean="0">
+              <a:rPr lang="en-US" sz="2800" b="1" dirty="0">
                 <a:sym typeface="Symbol" charset="2"/>
               </a:rPr>
               <a:t>do</a:t>
-            </a:r>
-            <a:r>
-              <a:rPr lang="en-US" sz="2800" dirty="0">
-                <a:sym typeface="Symbol" charset="2"/>
-              </a:rPr>
-              <a:t/>
             </a:r>
             <a:br>
               <a:rPr lang="en-US" sz="2800" dirty="0">
@@ -40229,16 +39694,10 @@
               <a:t> </a:t>
             </a:r>
             <a:r>
-              <a:rPr lang="en-US" sz="2800" b="1" dirty="0" smtClean="0">
+              <a:rPr lang="en-US" sz="2800" b="1" dirty="0">
                 <a:sym typeface="Symbol" charset="2"/>
               </a:rPr>
               <a:t>do</a:t>
-            </a:r>
-            <a:r>
-              <a:rPr lang="en-US" sz="2800" b="1" dirty="0">
-                <a:sym typeface="Symbol" charset="2"/>
-              </a:rPr>
-              <a:t/>
             </a:r>
             <a:br>
               <a:rPr lang="en-US" sz="2800" b="1" dirty="0">
@@ -40252,7 +39711,7 @@
               <a:t> 	      U := </a:t>
             </a:r>
             <a:r>
-              <a:rPr lang="en-CA" sz="2800" dirty="0" err="1" smtClean="0">
+              <a:rPr lang="en-CA" sz="2800" dirty="0" err="1">
                 <a:solidFill>
                   <a:schemeClr val="tx1"/>
                 </a:solidFill>
@@ -40261,7 +39720,7 @@
               <a:t>DFAedge</a:t>
             </a:r>
             <a:r>
-              <a:rPr lang="en-CA" sz="2800" dirty="0" smtClean="0">
+              <a:rPr lang="en-CA" sz="2800" dirty="0">
                 <a:solidFill>
                   <a:schemeClr val="tx1"/>
                 </a:solidFill>
@@ -40270,7 +39729,7 @@
               <a:t>(</a:t>
             </a:r>
             <a:r>
-              <a:rPr lang="en-CA" sz="2800" dirty="0" err="1" smtClean="0">
+              <a:rPr lang="en-CA" sz="2800" dirty="0" err="1">
                 <a:solidFill>
                   <a:schemeClr val="tx1"/>
                 </a:solidFill>
@@ -40279,7 +39738,7 @@
               <a:t>T,c</a:t>
             </a:r>
             <a:r>
-              <a:rPr lang="en-CA" sz="2800" dirty="0" smtClean="0">
+              <a:rPr lang="en-CA" sz="2800" dirty="0">
                 <a:solidFill>
                   <a:schemeClr val="tx1"/>
                 </a:solidFill>
@@ -40288,16 +39747,10 @@
               <a:t>)</a:t>
             </a:r>
             <a:r>
-              <a:rPr lang="en-US" sz="2800" dirty="0" smtClean="0">
+              <a:rPr lang="en-US" sz="2800" dirty="0">
                 <a:sym typeface="Symbol" charset="2"/>
               </a:rPr>
               <a:t>;</a:t>
-            </a:r>
-            <a:r>
-              <a:rPr lang="en-US" sz="2800" dirty="0">
-                <a:sym typeface="Symbol" charset="2"/>
-              </a:rPr>
-              <a:t/>
             </a:r>
             <a:br>
               <a:rPr lang="en-US" sz="2800" dirty="0">
@@ -40352,12 +39805,6 @@
               </a:rPr>
               <a:t>then</a:t>
             </a:r>
-            <a:r>
-              <a:rPr lang="en-US" sz="2800" dirty="0">
-                <a:sym typeface="Symbol" charset="2"/>
-              </a:rPr>
-              <a:t/>
-            </a:r>
             <a:br>
               <a:rPr lang="en-US" sz="2800" dirty="0">
                 <a:sym typeface="Symbol" charset="2"/>
@@ -40393,13 +39840,13 @@
               <a:t>	      </a:t>
             </a:r>
             <a:r>
-              <a:rPr lang="en-US" sz="2800" i="1" dirty="0" err="1" smtClean="0">
+              <a:rPr lang="en-US" sz="2800" i="1" dirty="0" err="1">
                 <a:sym typeface="Symbol" charset="2"/>
               </a:rPr>
               <a:t>Dtrans</a:t>
             </a:r>
             <a:r>
-              <a:rPr lang="en-US" sz="2800" dirty="0" smtClean="0">
+              <a:rPr lang="en-US" sz="2800" dirty="0">
                 <a:sym typeface="Symbol" charset="2"/>
               </a:rPr>
               <a:t>[T, </a:t>
@@ -40452,7 +39899,7 @@
               <a:lstStyle/>
               <a:p>
                 <a:r>
-                  <a:rPr lang="en-CA" b="1" dirty="0" smtClean="0">
+                  <a:rPr lang="en-CA" b="1" dirty="0">
                     <a:solidFill>
                       <a:schemeClr val="accent2"/>
                     </a:solidFill>
@@ -40461,7 +39908,7 @@
                   <a:t>DFAedge</a:t>
                 </a:r>
                 <a14:m>
-                  <m:oMath xmlns="" xmlns:m="http://schemas.openxmlformats.org/officeDocument/2006/math">
+                  <m:oMath xmlns:m="http://schemas.openxmlformats.org/officeDocument/2006/math">
                     <m:d>
                       <m:dPr>
                         <m:ctrlPr>
@@ -40469,7 +39916,7 @@
                             <a:solidFill>
                               <a:schemeClr val="accent2"/>
                             </a:solidFill>
-                            <a:latin typeface="Cambria Math"/>
+                            <a:latin typeface="Cambria Math" panose="02040503050406030204" pitchFamily="18" charset="0"/>
                             <a:ea typeface="Cambria Math"/>
                           </a:rPr>
                         </m:ctrlPr>
@@ -40571,7 +40018,7 @@
                             <a:solidFill>
                               <a:schemeClr val="accent2"/>
                             </a:solidFill>
-                            <a:latin typeface="Cambria Math"/>
+                            <a:latin typeface="Cambria Math" panose="02040503050406030204" pitchFamily="18" charset="0"/>
                           </a:rPr>
                         </m:ctrlPr>
                       </m:naryPr>
@@ -40628,7 +40075,7 @@
                                 <a:solidFill>
                                   <a:schemeClr val="accent2"/>
                                 </a:solidFill>
-                                <a:latin typeface="Cambria Math"/>
+                                <a:latin typeface="Cambria Math" panose="02040503050406030204" pitchFamily="18" charset="0"/>
                                 <a:ea typeface="Cambria Math"/>
                               </a:rPr>
                             </m:ctrlPr>
@@ -40743,7 +40190,7 @@
   <p:timing>
     <p:tnLst>
       <p:par>
-        <p:cTn xmlns:p14="http://schemas.microsoft.com/office/powerpoint/2010/main" id="1" dur="indefinite" restart="never" nodeType="tmRoot">
+        <p:cTn id="1" dur="indefinite" restart="never" nodeType="tmRoot">
           <p:childTnLst>
             <p:seq concurrent="1" nextAc="seek">
               <p:cTn id="2" dur="indefinite" nodeType="mainSeq">
